--- a/examples/mcmc/MCMC_in_TMB.pptx
+++ b/examples/mcmc/MCMC_in_TMB.pptx
@@ -6,26 +6,29 @@
   </p:sldMasterIdLst>
   <p:sldIdLst>
     <p:sldId id="256" r:id="rId2"/>
-    <p:sldId id="303" r:id="rId3"/>
-    <p:sldId id="269" r:id="rId4"/>
-    <p:sldId id="259" r:id="rId5"/>
-    <p:sldId id="260" r:id="rId6"/>
-    <p:sldId id="298" r:id="rId7"/>
-    <p:sldId id="262" r:id="rId8"/>
-    <p:sldId id="287" r:id="rId9"/>
-    <p:sldId id="272" r:id="rId10"/>
-    <p:sldId id="273" r:id="rId11"/>
-    <p:sldId id="275" r:id="rId12"/>
-    <p:sldId id="276" r:id="rId13"/>
-    <p:sldId id="277" r:id="rId14"/>
-    <p:sldId id="270" r:id="rId15"/>
-    <p:sldId id="271" r:id="rId16"/>
-    <p:sldId id="278" r:id="rId17"/>
-    <p:sldId id="279" r:id="rId18"/>
-    <p:sldId id="280" r:id="rId19"/>
-    <p:sldId id="281" r:id="rId20"/>
-    <p:sldId id="289" r:id="rId21"/>
-    <p:sldId id="302" r:id="rId22"/>
+    <p:sldId id="304" r:id="rId3"/>
+    <p:sldId id="303" r:id="rId4"/>
+    <p:sldId id="269" r:id="rId5"/>
+    <p:sldId id="259" r:id="rId6"/>
+    <p:sldId id="260" r:id="rId7"/>
+    <p:sldId id="298" r:id="rId8"/>
+    <p:sldId id="262" r:id="rId9"/>
+    <p:sldId id="287" r:id="rId10"/>
+    <p:sldId id="272" r:id="rId11"/>
+    <p:sldId id="273" r:id="rId12"/>
+    <p:sldId id="275" r:id="rId13"/>
+    <p:sldId id="276" r:id="rId14"/>
+    <p:sldId id="277" r:id="rId15"/>
+    <p:sldId id="270" r:id="rId16"/>
+    <p:sldId id="271" r:id="rId17"/>
+    <p:sldId id="278" r:id="rId18"/>
+    <p:sldId id="279" r:id="rId19"/>
+    <p:sldId id="280" r:id="rId20"/>
+    <p:sldId id="281" r:id="rId21"/>
+    <p:sldId id="289" r:id="rId22"/>
+    <p:sldId id="306" r:id="rId23"/>
+    <p:sldId id="302" r:id="rId24"/>
+    <p:sldId id="305" r:id="rId25"/>
   </p:sldIdLst>
   <p:sldSz cx="9144000" cy="6858000" type="screen4x3"/>
   <p:notesSz cx="6858000" cy="9144000"/>
@@ -325,7 +328,7 @@
             <a:fld id="{1D8BD707-D9CF-40AE-B4C6-C98DA3205C09}" type="datetimeFigureOut">
               <a:rPr lang="en-US" smtClean="0"/>
               <a:pPr/>
-              <a:t>2/8/2016</a:t>
+              <a:t>2/10/2016</a:t>
             </a:fld>
             <a:endParaRPr lang="en-US"/>
           </a:p>
@@ -492,7 +495,7 @@
             <a:fld id="{1D8BD707-D9CF-40AE-B4C6-C98DA3205C09}" type="datetimeFigureOut">
               <a:rPr lang="en-US" smtClean="0"/>
               <a:pPr/>
-              <a:t>2/8/2016</a:t>
+              <a:t>2/10/2016</a:t>
             </a:fld>
             <a:endParaRPr lang="en-US"/>
           </a:p>
@@ -669,7 +672,7 @@
             <a:fld id="{1D8BD707-D9CF-40AE-B4C6-C98DA3205C09}" type="datetimeFigureOut">
               <a:rPr lang="en-US" smtClean="0"/>
               <a:pPr/>
-              <a:t>2/8/2016</a:t>
+              <a:t>2/10/2016</a:t>
             </a:fld>
             <a:endParaRPr lang="en-US"/>
           </a:p>
@@ -836,7 +839,7 @@
             <a:fld id="{1D8BD707-D9CF-40AE-B4C6-C98DA3205C09}" type="datetimeFigureOut">
               <a:rPr lang="en-US" smtClean="0"/>
               <a:pPr/>
-              <a:t>2/8/2016</a:t>
+              <a:t>2/10/2016</a:t>
             </a:fld>
             <a:endParaRPr lang="en-US"/>
           </a:p>
@@ -1079,7 +1082,7 @@
             <a:fld id="{1D8BD707-D9CF-40AE-B4C6-C98DA3205C09}" type="datetimeFigureOut">
               <a:rPr lang="en-US" smtClean="0"/>
               <a:pPr/>
-              <a:t>2/8/2016</a:t>
+              <a:t>2/10/2016</a:t>
             </a:fld>
             <a:endParaRPr lang="en-US"/>
           </a:p>
@@ -1364,7 +1367,7 @@
             <a:fld id="{1D8BD707-D9CF-40AE-B4C6-C98DA3205C09}" type="datetimeFigureOut">
               <a:rPr lang="en-US" smtClean="0"/>
               <a:pPr/>
-              <a:t>2/8/2016</a:t>
+              <a:t>2/10/2016</a:t>
             </a:fld>
             <a:endParaRPr lang="en-US"/>
           </a:p>
@@ -1783,7 +1786,7 @@
             <a:fld id="{1D8BD707-D9CF-40AE-B4C6-C98DA3205C09}" type="datetimeFigureOut">
               <a:rPr lang="en-US" smtClean="0"/>
               <a:pPr/>
-              <a:t>2/8/2016</a:t>
+              <a:t>2/10/2016</a:t>
             </a:fld>
             <a:endParaRPr lang="en-US"/>
           </a:p>
@@ -1898,7 +1901,7 @@
             <a:fld id="{1D8BD707-D9CF-40AE-B4C6-C98DA3205C09}" type="datetimeFigureOut">
               <a:rPr lang="en-US" smtClean="0"/>
               <a:pPr/>
-              <a:t>2/8/2016</a:t>
+              <a:t>2/10/2016</a:t>
             </a:fld>
             <a:endParaRPr lang="en-US"/>
           </a:p>
@@ -1990,7 +1993,7 @@
             <a:fld id="{1D8BD707-D9CF-40AE-B4C6-C98DA3205C09}" type="datetimeFigureOut">
               <a:rPr lang="en-US" smtClean="0"/>
               <a:pPr/>
-              <a:t>2/8/2016</a:t>
+              <a:t>2/10/2016</a:t>
             </a:fld>
             <a:endParaRPr lang="en-US"/>
           </a:p>
@@ -2264,7 +2267,7 @@
             <a:fld id="{1D8BD707-D9CF-40AE-B4C6-C98DA3205C09}" type="datetimeFigureOut">
               <a:rPr lang="en-US" smtClean="0"/>
               <a:pPr/>
-              <a:t>2/8/2016</a:t>
+              <a:t>2/10/2016</a:t>
             </a:fld>
             <a:endParaRPr lang="en-US"/>
           </a:p>
@@ -2514,7 +2517,7 @@
             <a:fld id="{1D8BD707-D9CF-40AE-B4C6-C98DA3205C09}" type="datetimeFigureOut">
               <a:rPr lang="en-US" smtClean="0"/>
               <a:pPr/>
-              <a:t>2/8/2016</a:t>
+              <a:t>2/10/2016</a:t>
             </a:fld>
             <a:endParaRPr lang="en-US"/>
           </a:p>
@@ -2724,7 +2727,7 @@
             <a:fld id="{1D8BD707-D9CF-40AE-B4C6-C98DA3205C09}" type="datetimeFigureOut">
               <a:rPr lang="en-US" smtClean="0"/>
               <a:pPr/>
-              <a:t>2/8/2016</a:t>
+              <a:t>2/10/2016</a:t>
             </a:fld>
             <a:endParaRPr lang="en-US"/>
           </a:p>
@@ -3123,7 +3126,26 @@
             </a:r>
             <a:r>
               <a:rPr lang="en-US" b="1" dirty="0" smtClean="0"/>
-              <a:t> MCMC in TMB and ADMB</a:t>
+              <a:t> MCMC </a:t>
+            </a:r>
+            <a:r>
+              <a:rPr lang="en-US" b="1" dirty="0" smtClean="0"/>
+              <a:t/>
+            </a:r>
+            <a:br>
+              <a:rPr lang="en-US" b="1" dirty="0" smtClean="0"/>
+            </a:br>
+            <a:r>
+              <a:rPr lang="en-US" b="1" dirty="0" smtClean="0"/>
+              <a:t>in </a:t>
+            </a:r>
+            <a:r>
+              <a:rPr lang="en-US" b="1" dirty="0" smtClean="0"/>
+              <a:t>TMB </a:t>
+            </a:r>
+            <a:r>
+              <a:rPr lang="en-US" b="1" dirty="0" smtClean="0"/>
+              <a:t>(and ADMB)</a:t>
             </a:r>
             <a:endParaRPr lang="en-US" dirty="0"/>
           </a:p>
@@ -3159,7 +3181,6 @@
               <a:rPr lang="en-US" dirty="0" smtClean="0"/>
               <a:t>2/2016</a:t>
             </a:r>
-            <a:endParaRPr lang="en-US" dirty="0" smtClean="0"/>
           </a:p>
           <a:p>
             <a:r>
@@ -3191,6 +3212,679 @@
 </file>
 
 <file path=ppt/slides/slide10.xml><?xml version="1.0" encoding="utf-8"?>
+<p:sld xmlns:a="http://schemas.openxmlformats.org/drawingml/2006/main" xmlns:r="http://schemas.openxmlformats.org/officeDocument/2006/relationships" xmlns:p="http://schemas.openxmlformats.org/presentationml/2006/main">
+  <p:cSld>
+    <p:spTree>
+      <p:nvGrpSpPr>
+        <p:cNvPr id="1" name=""/>
+        <p:cNvGrpSpPr/>
+        <p:nvPr/>
+      </p:nvGrpSpPr>
+      <p:grpSpPr>
+        <a:xfrm>
+          <a:off x="0" y="0"/>
+          <a:ext cx="0" cy="0"/>
+          <a:chOff x="0" y="0"/>
+          <a:chExt cx="0" cy="0"/>
+        </a:xfrm>
+      </p:grpSpPr>
+      <p:sp>
+        <p:nvSpPr>
+          <p:cNvPr id="2" name="Title 1"/>
+          <p:cNvSpPr>
+            <a:spLocks noGrp="1"/>
+          </p:cNvSpPr>
+          <p:nvPr>
+            <p:ph type="title"/>
+          </p:nvPr>
+        </p:nvSpPr>
+        <p:spPr>
+          <a:xfrm>
+            <a:off x="457200" y="0"/>
+            <a:ext cx="8229600" cy="1143000"/>
+          </a:xfrm>
+        </p:spPr>
+        <p:txBody>
+          <a:bodyPr/>
+          <a:lstStyle/>
+          <a:p>
+            <a:r>
+              <a:rPr lang="en-US" dirty="0" smtClean="0"/>
+              <a:t>HMC: Example trajectories</a:t>
+            </a:r>
+            <a:endParaRPr lang="en-US" dirty="0"/>
+          </a:p>
+        </p:txBody>
+      </p:sp>
+      <p:pic>
+        <p:nvPicPr>
+          <p:cNvPr id="4" name="Content Placeholder 3"/>
+          <p:cNvPicPr>
+            <a:picLocks noGrp="1" noChangeAspect="1"/>
+          </p:cNvPicPr>
+          <p:nvPr>
+            <p:ph idx="1"/>
+          </p:nvPr>
+        </p:nvPicPr>
+        <p:blipFill>
+          <a:blip r:embed="rId2" cstate="print">
+            <a:extLst>
+              <a:ext uri="{28A0092B-C50C-407E-A947-70E740481C1C}">
+                <a14:useLocalDpi xmlns:a14="http://schemas.microsoft.com/office/drawing/2010/main" val="0"/>
+              </a:ext>
+            </a:extLst>
+          </a:blip>
+          <a:stretch>
+            <a:fillRect/>
+          </a:stretch>
+        </p:blipFill>
+        <p:spPr>
+          <a:xfrm>
+            <a:off x="4724400" y="1270001"/>
+            <a:ext cx="3352799" cy="5587998"/>
+          </a:xfrm>
+        </p:spPr>
+      </p:pic>
+      <p:pic>
+        <p:nvPicPr>
+          <p:cNvPr id="5" name="Picture 4"/>
+          <p:cNvPicPr>
+            <a:picLocks noChangeAspect="1"/>
+          </p:cNvPicPr>
+          <p:nvPr/>
+        </p:nvPicPr>
+        <p:blipFill>
+          <a:blip r:embed="rId3" cstate="print">
+            <a:extLst>
+              <a:ext uri="{28A0092B-C50C-407E-A947-70E740481C1C}">
+                <a14:useLocalDpi xmlns:a14="http://schemas.microsoft.com/office/drawing/2010/main" val="0"/>
+              </a:ext>
+            </a:extLst>
+          </a:blip>
+          <a:stretch>
+            <a:fillRect/>
+          </a:stretch>
+        </p:blipFill>
+        <p:spPr>
+          <a:xfrm>
+            <a:off x="533401" y="1270001"/>
+            <a:ext cx="3352799" cy="5587998"/>
+          </a:xfrm>
+          <a:prstGeom prst="rect">
+            <a:avLst/>
+          </a:prstGeom>
+        </p:spPr>
+      </p:pic>
+      <p:grpSp>
+        <p:nvGrpSpPr>
+          <p:cNvPr id="17" name="Group 16"/>
+          <p:cNvGrpSpPr/>
+          <p:nvPr/>
+        </p:nvGrpSpPr>
+        <p:grpSpPr>
+          <a:xfrm>
+            <a:off x="5410200" y="2895600"/>
+            <a:ext cx="1524000" cy="521732"/>
+            <a:chOff x="1143000" y="2895600"/>
+            <a:chExt cx="1524000" cy="521732"/>
+          </a:xfrm>
+        </p:grpSpPr>
+        <p:sp>
+          <p:nvSpPr>
+            <p:cNvPr id="6" name="TextBox 5"/>
+            <p:cNvSpPr txBox="1"/>
+            <p:nvPr/>
+          </p:nvSpPr>
+          <p:spPr>
+            <a:xfrm>
+              <a:off x="1143000" y="3048000"/>
+              <a:ext cx="1524000" cy="369332"/>
+            </a:xfrm>
+            <a:prstGeom prst="rect">
+              <a:avLst/>
+            </a:prstGeom>
+            <a:noFill/>
+          </p:spPr>
+          <p:txBody>
+            <a:bodyPr wrap="square" rtlCol="0">
+              <a:spAutoFit/>
+            </a:bodyPr>
+            <a:lstStyle/>
+            <a:p>
+              <a:r>
+                <a:rPr lang="en-US" dirty="0" smtClean="0"/>
+                <a:t>Small ɛ, big L</a:t>
+              </a:r>
+              <a:endParaRPr lang="en-US" dirty="0"/>
+            </a:p>
+          </p:txBody>
+        </p:sp>
+        <p:cxnSp>
+          <p:nvCxnSpPr>
+            <p:cNvPr id="8" name="Straight Arrow Connector 7"/>
+            <p:cNvCxnSpPr>
+              <a:stCxn id="6" idx="0"/>
+            </p:cNvCxnSpPr>
+            <p:nvPr/>
+          </p:nvCxnSpPr>
+          <p:spPr>
+            <a:xfrm flipV="1">
+              <a:off x="1905000" y="2895600"/>
+              <a:ext cx="304800" cy="152400"/>
+            </a:xfrm>
+            <a:prstGeom prst="straightConnector1">
+              <a:avLst/>
+            </a:prstGeom>
+            <a:ln>
+              <a:tailEnd type="triangle"/>
+            </a:ln>
+          </p:spPr>
+          <p:style>
+            <a:lnRef idx="2">
+              <a:schemeClr val="accent1"/>
+            </a:lnRef>
+            <a:fillRef idx="0">
+              <a:schemeClr val="accent1"/>
+            </a:fillRef>
+            <a:effectRef idx="1">
+              <a:schemeClr val="accent1"/>
+            </a:effectRef>
+            <a:fontRef idx="minor">
+              <a:schemeClr val="tx1"/>
+            </a:fontRef>
+          </p:style>
+        </p:cxnSp>
+      </p:grpSp>
+      <p:grpSp>
+        <p:nvGrpSpPr>
+          <p:cNvPr id="16" name="Group 15"/>
+          <p:cNvGrpSpPr/>
+          <p:nvPr/>
+        </p:nvGrpSpPr>
+        <p:grpSpPr>
+          <a:xfrm>
+            <a:off x="6477000" y="1417638"/>
+            <a:ext cx="1524000" cy="521732"/>
+            <a:chOff x="2209800" y="1417638"/>
+            <a:chExt cx="1524000" cy="521732"/>
+          </a:xfrm>
+        </p:grpSpPr>
+        <p:sp>
+          <p:nvSpPr>
+            <p:cNvPr id="11" name="TextBox 10"/>
+            <p:cNvSpPr txBox="1"/>
+            <p:nvPr/>
+          </p:nvSpPr>
+          <p:spPr>
+            <a:xfrm>
+              <a:off x="2209800" y="1417638"/>
+              <a:ext cx="1524000" cy="369332"/>
+            </a:xfrm>
+            <a:prstGeom prst="rect">
+              <a:avLst/>
+            </a:prstGeom>
+            <a:noFill/>
+          </p:spPr>
+          <p:txBody>
+            <a:bodyPr wrap="square" rtlCol="0">
+              <a:spAutoFit/>
+            </a:bodyPr>
+            <a:lstStyle/>
+            <a:p>
+              <a:r>
+                <a:rPr lang="en-US" dirty="0" smtClean="0"/>
+                <a:t>Big ɛ, small L</a:t>
+              </a:r>
+              <a:endParaRPr lang="en-US" dirty="0"/>
+            </a:p>
+          </p:txBody>
+        </p:sp>
+        <p:cxnSp>
+          <p:nvCxnSpPr>
+            <p:cNvPr id="12" name="Straight Arrow Connector 11"/>
+            <p:cNvCxnSpPr>
+              <a:stCxn id="11" idx="2"/>
+            </p:cNvCxnSpPr>
+            <p:nvPr/>
+          </p:nvCxnSpPr>
+          <p:spPr>
+            <a:xfrm flipH="1">
+              <a:off x="2667000" y="1786970"/>
+              <a:ext cx="304800" cy="152400"/>
+            </a:xfrm>
+            <a:prstGeom prst="straightConnector1">
+              <a:avLst/>
+            </a:prstGeom>
+            <a:ln>
+              <a:tailEnd type="triangle"/>
+            </a:ln>
+          </p:spPr>
+          <p:style>
+            <a:lnRef idx="2">
+              <a:schemeClr val="accent1"/>
+            </a:lnRef>
+            <a:fillRef idx="0">
+              <a:schemeClr val="accent1"/>
+            </a:fillRef>
+            <a:effectRef idx="1">
+              <a:schemeClr val="accent1"/>
+            </a:effectRef>
+            <a:fontRef idx="minor">
+              <a:schemeClr val="tx1"/>
+            </a:fontRef>
+          </p:style>
+        </p:cxnSp>
+      </p:grpSp>
+      <p:grpSp>
+        <p:nvGrpSpPr>
+          <p:cNvPr id="19" name="Group 18"/>
+          <p:cNvGrpSpPr/>
+          <p:nvPr/>
+        </p:nvGrpSpPr>
+        <p:grpSpPr>
+          <a:xfrm>
+            <a:off x="1066800" y="1374389"/>
+            <a:ext cx="1524000" cy="683011"/>
+            <a:chOff x="2209800" y="1417638"/>
+            <a:chExt cx="1524000" cy="683011"/>
+          </a:xfrm>
+        </p:grpSpPr>
+        <p:sp>
+          <p:nvSpPr>
+            <p:cNvPr id="20" name="TextBox 19"/>
+            <p:cNvSpPr txBox="1"/>
+            <p:nvPr/>
+          </p:nvSpPr>
+          <p:spPr>
+            <a:xfrm>
+              <a:off x="2209800" y="1417638"/>
+              <a:ext cx="1524000" cy="369332"/>
+            </a:xfrm>
+            <a:prstGeom prst="rect">
+              <a:avLst/>
+            </a:prstGeom>
+            <a:noFill/>
+          </p:spPr>
+          <p:txBody>
+            <a:bodyPr wrap="square" rtlCol="0">
+              <a:spAutoFit/>
+            </a:bodyPr>
+            <a:lstStyle/>
+            <a:p>
+              <a:r>
+                <a:rPr lang="en-US" dirty="0" smtClean="0"/>
+                <a:t>Very stable!</a:t>
+              </a:r>
+              <a:endParaRPr lang="en-US" dirty="0"/>
+            </a:p>
+          </p:txBody>
+        </p:sp>
+        <p:cxnSp>
+          <p:nvCxnSpPr>
+            <p:cNvPr id="21" name="Straight Arrow Connector 20"/>
+            <p:cNvCxnSpPr>
+              <a:stCxn id="20" idx="2"/>
+            </p:cNvCxnSpPr>
+            <p:nvPr/>
+          </p:nvCxnSpPr>
+          <p:spPr>
+            <a:xfrm>
+              <a:off x="2971800" y="1786970"/>
+              <a:ext cx="228600" cy="313679"/>
+            </a:xfrm>
+            <a:prstGeom prst="straightConnector1">
+              <a:avLst/>
+            </a:prstGeom>
+            <a:ln>
+              <a:tailEnd type="triangle"/>
+            </a:ln>
+          </p:spPr>
+          <p:style>
+            <a:lnRef idx="2">
+              <a:schemeClr val="accent1"/>
+            </a:lnRef>
+            <a:fillRef idx="0">
+              <a:schemeClr val="accent1"/>
+            </a:fillRef>
+            <a:effectRef idx="1">
+              <a:schemeClr val="accent1"/>
+            </a:effectRef>
+            <a:fontRef idx="minor">
+              <a:schemeClr val="tx1"/>
+            </a:fontRef>
+          </p:style>
+        </p:cxnSp>
+      </p:grpSp>
+      <p:grpSp>
+        <p:nvGrpSpPr>
+          <p:cNvPr id="23" name="Group 22"/>
+          <p:cNvGrpSpPr/>
+          <p:nvPr/>
+        </p:nvGrpSpPr>
+        <p:grpSpPr>
+          <a:xfrm>
+            <a:off x="1447800" y="5029200"/>
+            <a:ext cx="1524000" cy="1027331"/>
+            <a:chOff x="2209800" y="1341438"/>
+            <a:chExt cx="1524000" cy="1027331"/>
+          </a:xfrm>
+        </p:grpSpPr>
+        <p:sp>
+          <p:nvSpPr>
+            <p:cNvPr id="24" name="TextBox 23"/>
+            <p:cNvSpPr txBox="1"/>
+            <p:nvPr/>
+          </p:nvSpPr>
+          <p:spPr>
+            <a:xfrm>
+              <a:off x="2209800" y="1722438"/>
+              <a:ext cx="1524000" cy="646331"/>
+            </a:xfrm>
+            <a:prstGeom prst="rect">
+              <a:avLst/>
+            </a:prstGeom>
+            <a:noFill/>
+          </p:spPr>
+          <p:txBody>
+            <a:bodyPr wrap="square" rtlCol="0">
+              <a:spAutoFit/>
+            </a:bodyPr>
+            <a:lstStyle/>
+            <a:p>
+              <a:r>
+                <a:rPr lang="en-US" dirty="0" smtClean="0"/>
+                <a:t>Errors don’t accumulate</a:t>
+              </a:r>
+              <a:endParaRPr lang="en-US" dirty="0"/>
+            </a:p>
+          </p:txBody>
+        </p:sp>
+        <p:cxnSp>
+          <p:nvCxnSpPr>
+            <p:cNvPr id="25" name="Straight Arrow Connector 24"/>
+            <p:cNvCxnSpPr>
+              <a:stCxn id="24" idx="0"/>
+            </p:cNvCxnSpPr>
+            <p:nvPr/>
+          </p:nvCxnSpPr>
+          <p:spPr>
+            <a:xfrm flipV="1">
+              <a:off x="2971800" y="1341438"/>
+              <a:ext cx="0" cy="381000"/>
+            </a:xfrm>
+            <a:prstGeom prst="straightConnector1">
+              <a:avLst/>
+            </a:prstGeom>
+            <a:ln>
+              <a:tailEnd type="triangle"/>
+            </a:ln>
+          </p:spPr>
+          <p:style>
+            <a:lnRef idx="2">
+              <a:schemeClr val="accent1"/>
+            </a:lnRef>
+            <a:fillRef idx="0">
+              <a:schemeClr val="accent1"/>
+            </a:fillRef>
+            <a:effectRef idx="1">
+              <a:schemeClr val="accent1"/>
+            </a:effectRef>
+            <a:fontRef idx="minor">
+              <a:schemeClr val="tx1"/>
+            </a:fontRef>
+          </p:style>
+        </p:cxnSp>
+      </p:grpSp>
+      <p:grpSp>
+        <p:nvGrpSpPr>
+          <p:cNvPr id="29" name="Group 28"/>
+          <p:cNvGrpSpPr/>
+          <p:nvPr/>
+        </p:nvGrpSpPr>
+        <p:grpSpPr>
+          <a:xfrm>
+            <a:off x="5486400" y="4572000"/>
+            <a:ext cx="1524000" cy="1051917"/>
+            <a:chOff x="2209800" y="1316852"/>
+            <a:chExt cx="1524000" cy="1051917"/>
+          </a:xfrm>
+        </p:grpSpPr>
+        <p:sp>
+          <p:nvSpPr>
+            <p:cNvPr id="30" name="TextBox 29"/>
+            <p:cNvSpPr txBox="1"/>
+            <p:nvPr/>
+          </p:nvSpPr>
+          <p:spPr>
+            <a:xfrm>
+              <a:off x="2209800" y="1722438"/>
+              <a:ext cx="1524000" cy="646331"/>
+            </a:xfrm>
+            <a:prstGeom prst="rect">
+              <a:avLst/>
+            </a:prstGeom>
+            <a:noFill/>
+          </p:spPr>
+          <p:txBody>
+            <a:bodyPr wrap="square" rtlCol="0">
+              <a:spAutoFit/>
+            </a:bodyPr>
+            <a:lstStyle/>
+            <a:p>
+              <a:r>
+                <a:rPr lang="en-US" dirty="0" smtClean="0"/>
+                <a:t>Big ɛ leads to variation in H </a:t>
+              </a:r>
+              <a:endParaRPr lang="en-US" dirty="0"/>
+            </a:p>
+          </p:txBody>
+        </p:sp>
+        <p:cxnSp>
+          <p:nvCxnSpPr>
+            <p:cNvPr id="31" name="Straight Arrow Connector 30"/>
+            <p:cNvCxnSpPr>
+              <a:stCxn id="30" idx="0"/>
+            </p:cNvCxnSpPr>
+            <p:nvPr/>
+          </p:nvCxnSpPr>
+          <p:spPr>
+            <a:xfrm flipH="1" flipV="1">
+              <a:off x="2362200" y="1316852"/>
+              <a:ext cx="609600" cy="405586"/>
+            </a:xfrm>
+            <a:prstGeom prst="straightConnector1">
+              <a:avLst/>
+            </a:prstGeom>
+            <a:ln>
+              <a:tailEnd type="triangle"/>
+            </a:ln>
+          </p:spPr>
+          <p:style>
+            <a:lnRef idx="2">
+              <a:schemeClr val="accent1"/>
+            </a:lnRef>
+            <a:fillRef idx="0">
+              <a:schemeClr val="accent1"/>
+            </a:fillRef>
+            <a:effectRef idx="1">
+              <a:schemeClr val="accent1"/>
+            </a:effectRef>
+            <a:fontRef idx="minor">
+              <a:schemeClr val="tx1"/>
+            </a:fontRef>
+          </p:style>
+        </p:cxnSp>
+      </p:grpSp>
+    </p:spTree>
+    <p:extLst>
+      <p:ext uri="{BB962C8B-B14F-4D97-AF65-F5344CB8AC3E}">
+        <p14:creationId xmlns:p14="http://schemas.microsoft.com/office/powerpoint/2010/main" val="3306543983"/>
+      </p:ext>
+    </p:extLst>
+  </p:cSld>
+  <p:clrMapOvr>
+    <a:masterClrMapping/>
+  </p:clrMapOvr>
+  <p:timing>
+    <p:tnLst>
+      <p:par>
+        <p:cTn id="1" dur="indefinite" restart="never" nodeType="tmRoot">
+          <p:childTnLst>
+            <p:seq concurrent="1" nextAc="seek">
+              <p:cTn id="2" dur="indefinite" nodeType="mainSeq">
+                <p:childTnLst>
+                  <p:par>
+                    <p:cTn id="3" fill="hold">
+                      <p:stCondLst>
+                        <p:cond delay="indefinite"/>
+                      </p:stCondLst>
+                      <p:childTnLst>
+                        <p:par>
+                          <p:cTn id="4" fill="hold">
+                            <p:stCondLst>
+                              <p:cond delay="0"/>
+                            </p:stCondLst>
+                            <p:childTnLst>
+                              <p:par>
+                                <p:cTn id="5" presetID="1" presetClass="entr" presetSubtype="0" fill="hold" nodeType="clickEffect">
+                                  <p:stCondLst>
+                                    <p:cond delay="0"/>
+                                  </p:stCondLst>
+                                  <p:childTnLst>
+                                    <p:set>
+                                      <p:cBhvr>
+                                        <p:cTn id="6" dur="1" fill="hold">
+                                          <p:stCondLst>
+                                            <p:cond delay="0"/>
+                                          </p:stCondLst>
+                                        </p:cTn>
+                                        <p:tgtEl>
+                                          <p:spTgt spid="4"/>
+                                        </p:tgtEl>
+                                        <p:attrNameLst>
+                                          <p:attrName>style.visibility</p:attrName>
+                                        </p:attrNameLst>
+                                      </p:cBhvr>
+                                      <p:to>
+                                        <p:strVal val="visible"/>
+                                      </p:to>
+                                    </p:set>
+                                  </p:childTnLst>
+                                </p:cTn>
+                              </p:par>
+                              <p:par>
+                                <p:cTn id="7" presetID="1" presetClass="entr" presetSubtype="0" fill="hold" nodeType="withEffect">
+                                  <p:stCondLst>
+                                    <p:cond delay="0"/>
+                                  </p:stCondLst>
+                                  <p:childTnLst>
+                                    <p:set>
+                                      <p:cBhvr>
+                                        <p:cTn id="8" dur="1" fill="hold">
+                                          <p:stCondLst>
+                                            <p:cond delay="0"/>
+                                          </p:stCondLst>
+                                        </p:cTn>
+                                        <p:tgtEl>
+                                          <p:spTgt spid="17"/>
+                                        </p:tgtEl>
+                                        <p:attrNameLst>
+                                          <p:attrName>style.visibility</p:attrName>
+                                        </p:attrNameLst>
+                                      </p:cBhvr>
+                                      <p:to>
+                                        <p:strVal val="visible"/>
+                                      </p:to>
+                                    </p:set>
+                                  </p:childTnLst>
+                                </p:cTn>
+                              </p:par>
+                              <p:par>
+                                <p:cTn id="9" presetID="1" presetClass="entr" presetSubtype="0" fill="hold" nodeType="withEffect">
+                                  <p:stCondLst>
+                                    <p:cond delay="0"/>
+                                  </p:stCondLst>
+                                  <p:childTnLst>
+                                    <p:set>
+                                      <p:cBhvr>
+                                        <p:cTn id="10" dur="1" fill="hold">
+                                          <p:stCondLst>
+                                            <p:cond delay="0"/>
+                                          </p:stCondLst>
+                                        </p:cTn>
+                                        <p:tgtEl>
+                                          <p:spTgt spid="16"/>
+                                        </p:tgtEl>
+                                        <p:attrNameLst>
+                                          <p:attrName>style.visibility</p:attrName>
+                                        </p:attrNameLst>
+                                      </p:cBhvr>
+                                      <p:to>
+                                        <p:strVal val="visible"/>
+                                      </p:to>
+                                    </p:set>
+                                  </p:childTnLst>
+                                </p:cTn>
+                              </p:par>
+                              <p:par>
+                                <p:cTn id="11" presetID="1" presetClass="entr" presetSubtype="0" fill="hold" nodeType="withEffect">
+                                  <p:stCondLst>
+                                    <p:cond delay="0"/>
+                                  </p:stCondLst>
+                                  <p:childTnLst>
+                                    <p:set>
+                                      <p:cBhvr>
+                                        <p:cTn id="12" dur="1" fill="hold">
+                                          <p:stCondLst>
+                                            <p:cond delay="0"/>
+                                          </p:stCondLst>
+                                        </p:cTn>
+                                        <p:tgtEl>
+                                          <p:spTgt spid="29"/>
+                                        </p:tgtEl>
+                                        <p:attrNameLst>
+                                          <p:attrName>style.visibility</p:attrName>
+                                        </p:attrNameLst>
+                                      </p:cBhvr>
+                                      <p:to>
+                                        <p:strVal val="visible"/>
+                                      </p:to>
+                                    </p:set>
+                                  </p:childTnLst>
+                                </p:cTn>
+                              </p:par>
+                            </p:childTnLst>
+                          </p:cTn>
+                        </p:par>
+                      </p:childTnLst>
+                    </p:cTn>
+                  </p:par>
+                </p:childTnLst>
+              </p:cTn>
+              <p:prevCondLst>
+                <p:cond evt="onPrev" delay="0">
+                  <p:tgtEl>
+                    <p:sldTgt/>
+                  </p:tgtEl>
+                </p:cond>
+              </p:prevCondLst>
+              <p:nextCondLst>
+                <p:cond evt="onNext" delay="0">
+                  <p:tgtEl>
+                    <p:sldTgt/>
+                  </p:tgtEl>
+                </p:cond>
+              </p:nextCondLst>
+            </p:seq>
+          </p:childTnLst>
+        </p:cTn>
+      </p:par>
+    </p:tnLst>
+  </p:timing>
+</p:sld>
+</file>
+
+<file path=ppt/slides/slide11.xml><?xml version="1.0" encoding="utf-8"?>
 <p:sld xmlns:a="http://schemas.openxmlformats.org/drawingml/2006/main" xmlns:r="http://schemas.openxmlformats.org/officeDocument/2006/relationships" xmlns:p="http://schemas.openxmlformats.org/presentationml/2006/main">
   <p:cSld>
     <p:spTree>
@@ -3547,7 +4241,7 @@
 </p:sld>
 </file>
 
-<file path=ppt/slides/slide11.xml><?xml version="1.0" encoding="utf-8"?>
+<file path=ppt/slides/slide12.xml><?xml version="1.0" encoding="utf-8"?>
 <p:sld xmlns:a="http://schemas.openxmlformats.org/drawingml/2006/main" xmlns:r="http://schemas.openxmlformats.org/officeDocument/2006/relationships" xmlns:p="http://schemas.openxmlformats.org/presentationml/2006/main">
   <p:cSld>
     <p:spTree>
@@ -3829,7 +4523,7 @@
 </p:sld>
 </file>
 
-<file path=ppt/slides/slide12.xml><?xml version="1.0" encoding="utf-8"?>
+<file path=ppt/slides/slide13.xml><?xml version="1.0" encoding="utf-8"?>
 <p:sld xmlns:a="http://schemas.openxmlformats.org/drawingml/2006/main" xmlns:r="http://schemas.openxmlformats.org/officeDocument/2006/relationships" xmlns:p="http://schemas.openxmlformats.org/presentationml/2006/main">
   <p:cSld>
     <p:spTree>
@@ -3986,7 +4680,7 @@
 </p:sld>
 </file>
 
-<file path=ppt/slides/slide13.xml><?xml version="1.0" encoding="utf-8"?>
+<file path=ppt/slides/slide14.xml><?xml version="1.0" encoding="utf-8"?>
 <p:sld xmlns:a="http://schemas.openxmlformats.org/drawingml/2006/main" xmlns:r="http://schemas.openxmlformats.org/officeDocument/2006/relationships" xmlns:p="http://schemas.openxmlformats.org/presentationml/2006/main">
   <p:cSld>
     <p:spTree>
@@ -4309,7 +5003,7 @@
 </p:sld>
 </file>
 
-<file path=ppt/slides/slide14.xml><?xml version="1.0" encoding="utf-8"?>
+<file path=ppt/slides/slide15.xml><?xml version="1.0" encoding="utf-8"?>
 <p:sld xmlns:a="http://schemas.openxmlformats.org/drawingml/2006/main" xmlns:r="http://schemas.openxmlformats.org/officeDocument/2006/relationships" xmlns:p="http://schemas.openxmlformats.org/presentationml/2006/main">
   <p:cSld>
     <p:spTree>
@@ -4419,7 +5113,7 @@
 </p:sld>
 </file>
 
-<file path=ppt/slides/slide15.xml><?xml version="1.0" encoding="utf-8"?>
+<file path=ppt/slides/slide16.xml><?xml version="1.0" encoding="utf-8"?>
 <p:sld xmlns:a="http://schemas.openxmlformats.org/drawingml/2006/main" xmlns:r="http://schemas.openxmlformats.org/officeDocument/2006/relationships" xmlns:p="http://schemas.openxmlformats.org/presentationml/2006/main">
   <p:cSld>
     <p:spTree>
@@ -4540,7 +5234,11 @@
             </a:r>
             <a:r>
               <a:rPr lang="en-US" dirty="0" smtClean="0"/>
-              <a:t> (2011)</a:t>
+              <a:t> (</a:t>
+            </a:r>
+            <a:r>
+              <a:rPr lang="en-US" dirty="0" smtClean="0"/>
+              <a:t>2014)</a:t>
             </a:r>
             <a:endParaRPr lang="en-US" dirty="0"/>
           </a:p>
@@ -4566,7 +5264,7 @@
 </p:sld>
 </file>
 
-<file path=ppt/slides/slide16.xml><?xml version="1.0" encoding="utf-8"?>
+<file path=ppt/slides/slide17.xml><?xml version="1.0" encoding="utf-8"?>
 <p:sld xmlns:a="http://schemas.openxmlformats.org/drawingml/2006/main" xmlns:r="http://schemas.openxmlformats.org/officeDocument/2006/relationships" xmlns:p="http://schemas.openxmlformats.org/presentationml/2006/main">
   <p:cSld>
     <p:spTree>
@@ -4842,7 +5540,7 @@
 </p:sld>
 </file>
 
-<file path=ppt/slides/slide17.xml><?xml version="1.0" encoding="utf-8"?>
+<file path=ppt/slides/slide18.xml><?xml version="1.0" encoding="utf-8"?>
 <p:sld xmlns:a="http://schemas.openxmlformats.org/drawingml/2006/main" xmlns:r="http://schemas.openxmlformats.org/officeDocument/2006/relationships" xmlns:p="http://schemas.openxmlformats.org/presentationml/2006/main">
   <p:cSld>
     <p:spTree>
@@ -5035,7 +5733,7 @@
           <a:graphicData uri="http://schemas.openxmlformats.org/presentationml/2006/ole">
             <mc:AlternateContent xmlns:mc="http://schemas.openxmlformats.org/markup-compatibility/2006">
               <mc:Choice xmlns:v="urn:schemas-microsoft-com:vml" Requires="v">
-                <p:oleObj spid="_x0000_s6268" name="Equation" r:id="rId3" imgW="1028520" imgH="228600" progId="Equation.DSMT4">
+                <p:oleObj spid="_x0000_s6276" name="Equation" r:id="rId3" imgW="1028520" imgH="228600" progId="Equation.DSMT4">
                   <p:embed/>
                 </p:oleObj>
               </mc:Choice>
@@ -5092,7 +5790,7 @@
           <a:graphicData uri="http://schemas.openxmlformats.org/presentationml/2006/ole">
             <mc:AlternateContent xmlns:mc="http://schemas.openxmlformats.org/markup-compatibility/2006">
               <mc:Choice xmlns:v="urn:schemas-microsoft-com:vml" Requires="v">
-                <p:oleObj spid="_x0000_s6269" name="Equation" r:id="rId5" imgW="698400" imgH="228600" progId="Equation.DSMT4">
+                <p:oleObj spid="_x0000_s6277" name="Equation" r:id="rId5" imgW="698400" imgH="228600" progId="Equation.DSMT4">
                   <p:embed/>
                 </p:oleObj>
               </mc:Choice>
@@ -5147,7 +5845,7 @@
 </p:sld>
 </file>
 
-<file path=ppt/slides/slide18.xml><?xml version="1.0" encoding="utf-8"?>
+<file path=ppt/slides/slide19.xml><?xml version="1.0" encoding="utf-8"?>
 <p:sld xmlns:a="http://schemas.openxmlformats.org/drawingml/2006/main" xmlns:r="http://schemas.openxmlformats.org/officeDocument/2006/relationships" xmlns:p="http://schemas.openxmlformats.org/presentationml/2006/main">
   <p:cSld>
     <p:spTree>
@@ -5567,7 +6265,11 @@
             </a:r>
             <a:r>
               <a:rPr lang="en-US" dirty="0" smtClean="0"/>
-              <a:t> (2011)</a:t>
+              <a:t> (</a:t>
+            </a:r>
+            <a:r>
+              <a:rPr lang="en-US" dirty="0" smtClean="0"/>
+              <a:t>2014)</a:t>
             </a:r>
             <a:endParaRPr lang="en-US" dirty="0"/>
           </a:p>
@@ -5577,151 +6279,6 @@
     <p:extLst>
       <p:ext uri="{BB962C8B-B14F-4D97-AF65-F5344CB8AC3E}">
         <p14:creationId xmlns:p14="http://schemas.microsoft.com/office/powerpoint/2010/main" val="2376966599"/>
-      </p:ext>
-    </p:extLst>
-  </p:cSld>
-  <p:clrMapOvr>
-    <a:masterClrMapping/>
-  </p:clrMapOvr>
-  <p:timing>
-    <p:tnLst>
-      <p:par>
-        <p:cTn id="1" dur="indefinite" restart="never" nodeType="tmRoot"/>
-      </p:par>
-    </p:tnLst>
-  </p:timing>
-</p:sld>
-</file>
-
-<file path=ppt/slides/slide19.xml><?xml version="1.0" encoding="utf-8"?>
-<p:sld xmlns:a="http://schemas.openxmlformats.org/drawingml/2006/main" xmlns:r="http://schemas.openxmlformats.org/officeDocument/2006/relationships" xmlns:p="http://schemas.openxmlformats.org/presentationml/2006/main">
-  <p:cSld>
-    <p:spTree>
-      <p:nvGrpSpPr>
-        <p:cNvPr id="1" name=""/>
-        <p:cNvGrpSpPr/>
-        <p:nvPr/>
-      </p:nvGrpSpPr>
-      <p:grpSpPr>
-        <a:xfrm>
-          <a:off x="0" y="0"/>
-          <a:ext cx="0" cy="0"/>
-          <a:chOff x="0" y="0"/>
-          <a:chExt cx="0" cy="0"/>
-        </a:xfrm>
-      </p:grpSpPr>
-      <p:sp>
-        <p:nvSpPr>
-          <p:cNvPr id="2" name="Title 1"/>
-          <p:cNvSpPr>
-            <a:spLocks noGrp="1"/>
-          </p:cNvSpPr>
-          <p:nvPr>
-            <p:ph type="title"/>
-          </p:nvPr>
-        </p:nvSpPr>
-        <p:spPr/>
-        <p:txBody>
-          <a:bodyPr/>
-          <a:lstStyle/>
-          <a:p>
-            <a:r>
-              <a:rPr lang="en-US" dirty="0" smtClean="0"/>
-              <a:t>Tuning the No-U-Turn Sampler</a:t>
-            </a:r>
-            <a:endParaRPr lang="en-US" dirty="0"/>
-          </a:p>
-        </p:txBody>
-      </p:sp>
-      <p:sp>
-        <p:nvSpPr>
-          <p:cNvPr id="3" name="Content Placeholder 2"/>
-          <p:cNvSpPr>
-            <a:spLocks noGrp="1"/>
-          </p:cNvSpPr>
-          <p:nvPr>
-            <p:ph idx="1"/>
-          </p:nvPr>
-        </p:nvSpPr>
-        <p:spPr/>
-        <p:txBody>
-          <a:bodyPr>
-            <a:normAutofit lnSpcReduction="10000"/>
-          </a:bodyPr>
-          <a:lstStyle/>
-          <a:p>
-            <a:r>
-              <a:rPr lang="en-US" dirty="0" smtClean="0"/>
-              <a:t>Eliminates the need to specify ɛ or L: ɛ is tuned during the warmup phase, L dynamically. </a:t>
-            </a:r>
-          </a:p>
-          <a:p>
-            <a:r>
-              <a:rPr lang="en-US" dirty="0" smtClean="0"/>
-              <a:t>But, introduces new tuning parameters:</a:t>
-            </a:r>
-          </a:p>
-          <a:p>
-            <a:pPr lvl="1"/>
-            <a:r>
-              <a:rPr lang="en-US" dirty="0" err="1"/>
-              <a:t>m</a:t>
-            </a:r>
-            <a:r>
-              <a:rPr lang="en-US" dirty="0" err="1" smtClean="0"/>
-              <a:t>ax_depth</a:t>
-            </a:r>
-            <a:r>
-              <a:rPr lang="en-US" dirty="0" smtClean="0"/>
-              <a:t>: Maximum tree depth. </a:t>
-            </a:r>
-          </a:p>
-          <a:p>
-            <a:pPr lvl="1"/>
-            <a:r>
-              <a:rPr lang="en-US" dirty="0" smtClean="0"/>
-              <a:t>Delta=0.6: The target acceptance rate.</a:t>
-            </a:r>
-          </a:p>
-          <a:p>
-            <a:pPr lvl="1"/>
-            <a:r>
-              <a:rPr lang="el-GR" dirty="0" smtClean="0"/>
-              <a:t>γ</a:t>
-            </a:r>
-            <a:r>
-              <a:rPr lang="en-US" dirty="0" smtClean="0"/>
-              <a:t>=0.05, </a:t>
-            </a:r>
-            <a:r>
-              <a:rPr lang="el-GR" dirty="0" smtClean="0"/>
-              <a:t>κ</a:t>
-            </a:r>
-            <a:r>
-              <a:rPr lang="en-US" dirty="0" smtClean="0"/>
-              <a:t>=0.75, t</a:t>
-            </a:r>
-            <a:r>
-              <a:rPr lang="en-US" baseline="-25000" dirty="0" smtClean="0"/>
-              <a:t>0</a:t>
-            </a:r>
-            <a:r>
-              <a:rPr lang="en-US" dirty="0" smtClean="0"/>
-              <a:t>=10: For dual averaging</a:t>
-            </a:r>
-          </a:p>
-          <a:p>
-            <a:r>
-              <a:rPr lang="en-US" dirty="0" smtClean="0"/>
-              <a:t>However, this seems to work smoothly without intervention (good for general use)</a:t>
-            </a:r>
-          </a:p>
-        </p:txBody>
-      </p:sp>
-    </p:spTree>
-    <p:extLst>
-      <p:ext uri="{BB962C8B-B14F-4D97-AF65-F5344CB8AC3E}">
-        <p14:creationId xmlns:p14="http://schemas.microsoft.com/office/powerpoint/2010/main" val="591498911"/>
       </p:ext>
     </p:extLst>
   </p:cSld>
@@ -5765,12 +6322,23 @@
             <p:ph type="title"/>
           </p:nvPr>
         </p:nvSpPr>
-        <p:spPr/>
-        <p:txBody>
-          <a:bodyPr/>
+        <p:spPr>
+          <a:xfrm>
+            <a:off x="228600" y="28470"/>
+            <a:ext cx="8763000" cy="1143000"/>
+          </a:xfrm>
+        </p:spPr>
+        <p:txBody>
+          <a:bodyPr>
+            <a:noAutofit/>
+          </a:bodyPr>
           <a:lstStyle/>
           <a:p>
-            <a:endParaRPr lang="en-US" dirty="0"/>
+            <a:r>
+              <a:rPr lang="en-US" sz="4000" dirty="0" smtClean="0"/>
+              <a:t>Bayesian Integration</a:t>
+            </a:r>
+            <a:endParaRPr lang="en-US" sz="4000" dirty="0"/>
           </a:p>
         </p:txBody>
       </p:sp>
@@ -5786,70 +6354,513 @@
         </p:nvSpPr>
         <p:spPr>
           <a:xfrm>
-            <a:off x="457200" y="1600200"/>
-            <a:ext cx="3886200" cy="4525963"/>
+            <a:off x="457200" y="1143000"/>
+            <a:ext cx="8229600" cy="5334000"/>
           </a:xfrm>
         </p:spPr>
         <p:txBody>
           <a:bodyPr>
-            <a:normAutofit lnSpcReduction="10000"/>
+            <a:normAutofit/>
           </a:bodyPr>
           <a:lstStyle/>
           <a:p>
             <a:r>
               <a:rPr lang="en-US" dirty="0" smtClean="0"/>
-              <a:t>MCMC needs to be able to move about space easily</a:t>
-            </a:r>
-          </a:p>
-          <a:p>
-            <a:r>
-              <a:rPr lang="en-US" dirty="0" smtClean="0"/>
-              <a:t>This shape is problematic for Gibbs and RWM</a:t>
-            </a:r>
-          </a:p>
-          <a:p>
-            <a:r>
-              <a:rPr lang="en-US" dirty="0" smtClean="0"/>
-              <a:t>May take many steps to get to other end</a:t>
+              <a:t>A posterior is a distribution of parameters</a:t>
+            </a:r>
+          </a:p>
+          <a:p>
+            <a:r>
+              <a:rPr lang="en-US" dirty="0" smtClean="0"/>
+              <a:t>We integrate to make inference. If it’s easy, we do it analytically: </a:t>
+            </a:r>
+            <a:br>
+              <a:rPr lang="en-US" dirty="0" smtClean="0"/>
+            </a:br>
+            <a:r>
+              <a:rPr lang="en-US" sz="2200" dirty="0" smtClean="0"/>
+              <a:t> </a:t>
             </a:r>
             <a:endParaRPr lang="en-US" dirty="0"/>
           </a:p>
-        </p:txBody>
-      </p:sp>
-      <p:pic>
-        <p:nvPicPr>
-          <p:cNvPr id="4" name="Picture 3"/>
-          <p:cNvPicPr>
-            <a:picLocks noChangeAspect="1"/>
-          </p:cNvPicPr>
+          <a:p>
+            <a:r>
+              <a:rPr lang="en-US" dirty="0" smtClean="0"/>
+              <a:t>If not, we can do it numerically, </a:t>
+            </a:r>
+            <a:r>
+              <a:rPr lang="en-US" dirty="0" err="1" smtClean="0"/>
+              <a:t>e.g</a:t>
+            </a:r>
+            <a:r>
+              <a:rPr lang="en-US" dirty="0" smtClean="0"/>
+              <a:t>,.:</a:t>
+            </a:r>
+          </a:p>
+          <a:p>
+            <a:pPr marL="857250" indent="-288925">
+              <a:buNone/>
+            </a:pPr>
+            <a:r>
+              <a:rPr lang="en-US" sz="2400" dirty="0" smtClean="0">
+                <a:latin typeface="Courier New" panose="02070309020205020404" pitchFamily="49" charset="0"/>
+                <a:cs typeface="Courier New" panose="02070309020205020404" pitchFamily="49" charset="0"/>
+              </a:rPr>
+              <a:t>&gt; </a:t>
+            </a:r>
+            <a:r>
+              <a:rPr lang="en-US" sz="2400" dirty="0">
+                <a:latin typeface="Courier New" panose="02070309020205020404" pitchFamily="49" charset="0"/>
+                <a:cs typeface="Courier New" panose="02070309020205020404" pitchFamily="49" charset="0"/>
+              </a:rPr>
+              <a:t>mean(</a:t>
+            </a:r>
+            <a:r>
+              <a:rPr lang="en-US" sz="2400" dirty="0" err="1">
+                <a:latin typeface="Courier New" panose="02070309020205020404" pitchFamily="49" charset="0"/>
+                <a:cs typeface="Courier New" panose="02070309020205020404" pitchFamily="49" charset="0"/>
+              </a:rPr>
+              <a:t>rnorm</a:t>
+            </a:r>
+            <a:r>
+              <a:rPr lang="en-US" sz="2400" dirty="0">
+                <a:latin typeface="Courier New" panose="02070309020205020404" pitchFamily="49" charset="0"/>
+                <a:cs typeface="Courier New" panose="02070309020205020404" pitchFamily="49" charset="0"/>
+              </a:rPr>
+              <a:t>(1e3,0,1)&lt;0) </a:t>
+            </a:r>
+            <a:r>
+              <a:rPr lang="en-US" sz="2400" dirty="0" smtClean="0">
+                <a:latin typeface="Courier New" panose="02070309020205020404" pitchFamily="49" charset="0"/>
+                <a:cs typeface="Courier New" panose="02070309020205020404" pitchFamily="49" charset="0"/>
+              </a:rPr>
+              <a:t> [</a:t>
+            </a:r>
+            <a:r>
+              <a:rPr lang="en-US" sz="2400" dirty="0">
+                <a:latin typeface="Courier New" panose="02070309020205020404" pitchFamily="49" charset="0"/>
+                <a:cs typeface="Courier New" panose="02070309020205020404" pitchFamily="49" charset="0"/>
+              </a:rPr>
+              <a:t>1] 0.488</a:t>
+            </a:r>
+          </a:p>
+          <a:p>
+            <a:pPr marL="857250" indent="-288925">
+              <a:buNone/>
+            </a:pPr>
+            <a:r>
+              <a:rPr lang="en-US" sz="2400" dirty="0" smtClean="0">
+                <a:latin typeface="Courier New" panose="02070309020205020404" pitchFamily="49" charset="0"/>
+                <a:cs typeface="Courier New" panose="02070309020205020404" pitchFamily="49" charset="0"/>
+              </a:rPr>
+              <a:t>&gt; mean(</a:t>
+            </a:r>
+            <a:r>
+              <a:rPr lang="en-US" sz="2400" dirty="0" err="1" smtClean="0">
+                <a:latin typeface="Courier New" panose="02070309020205020404" pitchFamily="49" charset="0"/>
+                <a:cs typeface="Courier New" panose="02070309020205020404" pitchFamily="49" charset="0"/>
+              </a:rPr>
+              <a:t>rnorm</a:t>
+            </a:r>
+            <a:r>
+              <a:rPr lang="en-US" sz="2400" dirty="0" smtClean="0">
+                <a:latin typeface="Courier New" panose="02070309020205020404" pitchFamily="49" charset="0"/>
+                <a:cs typeface="Courier New" panose="02070309020205020404" pitchFamily="49" charset="0"/>
+              </a:rPr>
+              <a:t>(1e6,0,1</a:t>
+            </a:r>
+            <a:r>
+              <a:rPr lang="en-US" sz="2400" dirty="0">
+                <a:latin typeface="Courier New" panose="02070309020205020404" pitchFamily="49" charset="0"/>
+                <a:cs typeface="Courier New" panose="02070309020205020404" pitchFamily="49" charset="0"/>
+              </a:rPr>
+              <a:t>)&lt;0) </a:t>
+            </a:r>
+            <a:r>
+              <a:rPr lang="en-US" sz="2400" dirty="0" smtClean="0">
+                <a:latin typeface="Courier New" panose="02070309020205020404" pitchFamily="49" charset="0"/>
+                <a:cs typeface="Courier New" panose="02070309020205020404" pitchFamily="49" charset="0"/>
+              </a:rPr>
+              <a:t> [</a:t>
+            </a:r>
+            <a:r>
+              <a:rPr lang="en-US" sz="2400" dirty="0">
+                <a:latin typeface="Courier New" panose="02070309020205020404" pitchFamily="49" charset="0"/>
+                <a:cs typeface="Courier New" panose="02070309020205020404" pitchFamily="49" charset="0"/>
+              </a:rPr>
+              <a:t>1] </a:t>
+            </a:r>
+            <a:r>
+              <a:rPr lang="en-US" sz="2400" dirty="0" smtClean="0">
+                <a:latin typeface="Courier New" panose="02070309020205020404" pitchFamily="49" charset="0"/>
+                <a:cs typeface="Courier New" panose="02070309020205020404" pitchFamily="49" charset="0"/>
+              </a:rPr>
+              <a:t>0.499608</a:t>
+            </a:r>
+          </a:p>
+          <a:p>
+            <a:r>
+              <a:rPr lang="en-US" dirty="0" smtClean="0"/>
+              <a:t>But how to generate random posterior samples? Enter MCMC!</a:t>
+            </a:r>
+            <a:br>
+              <a:rPr lang="en-US" dirty="0" smtClean="0"/>
+            </a:br>
+            <a:endParaRPr lang="en-US" dirty="0" smtClean="0"/>
+          </a:p>
+        </p:txBody>
+      </p:sp>
+      <p:sp>
+        <p:nvSpPr>
+          <p:cNvPr id="6" name="TextBox 5"/>
+          <p:cNvSpPr txBox="1"/>
           <p:nvPr/>
-        </p:nvPicPr>
-        <p:blipFill>
-          <a:blip r:embed="rId2"/>
-          <a:stretch>
-            <a:fillRect/>
-          </a:stretch>
-        </p:blipFill>
+        </p:nvSpPr>
         <p:spPr>
           <a:xfrm>
-            <a:off x="4269756" y="2514600"/>
-            <a:ext cx="4762406" cy="3990975"/>
+            <a:off x="1295400" y="5892225"/>
+            <a:ext cx="6477000" cy="584775"/>
           </a:xfrm>
           <a:prstGeom prst="rect">
             <a:avLst/>
           </a:prstGeom>
+          <a:noFill/>
+          <a:ln w="28575">
+            <a:solidFill>
+              <a:srgbClr val="FF0000"/>
+            </a:solidFill>
+          </a:ln>
         </p:spPr>
-      </p:pic>
+        <p:txBody>
+          <a:bodyPr wrap="square" rtlCol="0">
+            <a:spAutoFit/>
+          </a:bodyPr>
+          <a:lstStyle/>
+          <a:p>
+            <a:pPr algn="ctr"/>
+            <a:r>
+              <a:rPr lang="en-US" sz="3200" dirty="0"/>
+              <a:t>MCMC is </a:t>
+            </a:r>
+            <a:r>
+              <a:rPr lang="en-US" sz="3200" dirty="0">
+                <a:latin typeface="Courier New" panose="02070309020205020404" pitchFamily="49" charset="0"/>
+                <a:cs typeface="Courier New" panose="02070309020205020404" pitchFamily="49" charset="0"/>
+              </a:rPr>
+              <a:t>r&lt;your posterior</a:t>
+            </a:r>
+            <a:r>
+              <a:rPr lang="en-US" sz="3200" dirty="0" smtClean="0">
+                <a:latin typeface="Courier New" panose="02070309020205020404" pitchFamily="49" charset="0"/>
+                <a:cs typeface="Courier New" panose="02070309020205020404" pitchFamily="49" charset="0"/>
+              </a:rPr>
+              <a:t>&gt;()</a:t>
+            </a:r>
+            <a:endParaRPr lang="en-US" sz="3200" dirty="0"/>
+          </a:p>
+        </p:txBody>
+      </p:sp>
+      <p:graphicFrame>
+        <p:nvGraphicFramePr>
+          <p:cNvPr id="7" name="Object 6"/>
+          <p:cNvGraphicFramePr>
+            <a:graphicFrameLocks noChangeAspect="1"/>
+          </p:cNvGraphicFramePr>
+          <p:nvPr>
+            <p:extLst/>
+          </p:nvPr>
+        </p:nvGraphicFramePr>
+        <p:xfrm>
+          <a:off x="3886200" y="2286000"/>
+          <a:ext cx="4024887" cy="795337"/>
+        </p:xfrm>
+        <a:graphic>
+          <a:graphicData uri="http://schemas.openxmlformats.org/presentationml/2006/ole">
+            <mc:AlternateContent xmlns:mc="http://schemas.openxmlformats.org/markup-compatibility/2006">
+              <mc:Choice xmlns:v="urn:schemas-microsoft-com:vml" Requires="v">
+                <p:oleObj spid="_x0000_s7173" name="Equation" r:id="rId3" imgW="2120760" imgH="419040" progId="Equation.DSMT4">
+                  <p:embed/>
+                </p:oleObj>
+              </mc:Choice>
+              <mc:Fallback>
+                <p:oleObj name="Equation" r:id="rId3" imgW="2120760" imgH="419040" progId="Equation.DSMT4">
+                  <p:embed/>
+                  <p:pic>
+                    <p:nvPicPr>
+                      <p:cNvPr id="0" name=""/>
+                      <p:cNvPicPr/>
+                      <p:nvPr/>
+                    </p:nvPicPr>
+                    <p:blipFill>
+                      <a:blip r:embed="rId4"/>
+                      <a:stretch>
+                        <a:fillRect/>
+                      </a:stretch>
+                    </p:blipFill>
+                    <p:spPr>
+                      <a:xfrm>
+                        <a:off x="3886200" y="2286000"/>
+                        <a:ext cx="4024887" cy="795337"/>
+                      </a:xfrm>
+                      <a:prstGeom prst="rect">
+                        <a:avLst/>
+                      </a:prstGeom>
+                    </p:spPr>
+                  </p:pic>
+                </p:oleObj>
+              </mc:Fallback>
+            </mc:AlternateContent>
+          </a:graphicData>
+        </a:graphic>
+      </p:graphicFrame>
     </p:spTree>
     <p:extLst>
       <p:ext uri="{BB962C8B-B14F-4D97-AF65-F5344CB8AC3E}">
-        <p14:creationId xmlns:p14="http://schemas.microsoft.com/office/powerpoint/2010/main" val="3508196523"/>
+        <p14:creationId xmlns:p14="http://schemas.microsoft.com/office/powerpoint/2010/main" val="309633395"/>
       </p:ext>
     </p:extLst>
   </p:cSld>
   <p:clrMapOvr>
     <a:masterClrMapping/>
   </p:clrMapOvr>
+  <p:timing>
+    <p:tnLst>
+      <p:par>
+        <p:cTn id="1" dur="indefinite" restart="never" nodeType="tmRoot">
+          <p:childTnLst>
+            <p:seq concurrent="1" nextAc="seek">
+              <p:cTn id="2" dur="indefinite" nodeType="mainSeq">
+                <p:childTnLst>
+                  <p:par>
+                    <p:cTn id="3" fill="hold">
+                      <p:stCondLst>
+                        <p:cond delay="indefinite"/>
+                      </p:stCondLst>
+                      <p:childTnLst>
+                        <p:par>
+                          <p:cTn id="4" fill="hold">
+                            <p:stCondLst>
+                              <p:cond delay="0"/>
+                            </p:stCondLst>
+                            <p:childTnLst>
+                              <p:par>
+                                <p:cTn id="5" presetID="1" presetClass="entr" presetSubtype="0" fill="hold" nodeType="clickEffect">
+                                  <p:stCondLst>
+                                    <p:cond delay="0"/>
+                                  </p:stCondLst>
+                                  <p:childTnLst>
+                                    <p:set>
+                                      <p:cBhvr>
+                                        <p:cTn id="6" dur="1" fill="hold">
+                                          <p:stCondLst>
+                                            <p:cond delay="0"/>
+                                          </p:stCondLst>
+                                        </p:cTn>
+                                        <p:tgtEl>
+                                          <p:spTgt spid="3">
+                                            <p:txEl>
+                                              <p:pRg st="2" end="2"/>
+                                            </p:txEl>
+                                          </p:spTgt>
+                                        </p:tgtEl>
+                                        <p:attrNameLst>
+                                          <p:attrName>style.visibility</p:attrName>
+                                        </p:attrNameLst>
+                                      </p:cBhvr>
+                                      <p:to>
+                                        <p:strVal val="visible"/>
+                                      </p:to>
+                                    </p:set>
+                                  </p:childTnLst>
+                                </p:cTn>
+                              </p:par>
+                              <p:par>
+                                <p:cTn id="7" presetID="1" presetClass="entr" presetSubtype="0" fill="hold" nodeType="withEffect">
+                                  <p:stCondLst>
+                                    <p:cond delay="0"/>
+                                  </p:stCondLst>
+                                  <p:childTnLst>
+                                    <p:set>
+                                      <p:cBhvr>
+                                        <p:cTn id="8" dur="1" fill="hold">
+                                          <p:stCondLst>
+                                            <p:cond delay="0"/>
+                                          </p:stCondLst>
+                                        </p:cTn>
+                                        <p:tgtEl>
+                                          <p:spTgt spid="3">
+                                            <p:txEl>
+                                              <p:pRg st="3" end="3"/>
+                                            </p:txEl>
+                                          </p:spTgt>
+                                        </p:tgtEl>
+                                        <p:attrNameLst>
+                                          <p:attrName>style.visibility</p:attrName>
+                                        </p:attrNameLst>
+                                      </p:cBhvr>
+                                      <p:to>
+                                        <p:strVal val="visible"/>
+                                      </p:to>
+                                    </p:set>
+                                  </p:childTnLst>
+                                </p:cTn>
+                              </p:par>
+                              <p:par>
+                                <p:cTn id="9" presetID="1" presetClass="entr" presetSubtype="0" fill="hold" nodeType="withEffect">
+                                  <p:stCondLst>
+                                    <p:cond delay="0"/>
+                                  </p:stCondLst>
+                                  <p:childTnLst>
+                                    <p:set>
+                                      <p:cBhvr>
+                                        <p:cTn id="10" dur="1" fill="hold">
+                                          <p:stCondLst>
+                                            <p:cond delay="0"/>
+                                          </p:stCondLst>
+                                        </p:cTn>
+                                        <p:tgtEl>
+                                          <p:spTgt spid="3">
+                                            <p:txEl>
+                                              <p:pRg st="4" end="4"/>
+                                            </p:txEl>
+                                          </p:spTgt>
+                                        </p:tgtEl>
+                                        <p:attrNameLst>
+                                          <p:attrName>style.visibility</p:attrName>
+                                        </p:attrNameLst>
+                                      </p:cBhvr>
+                                      <p:to>
+                                        <p:strVal val="visible"/>
+                                      </p:to>
+                                    </p:set>
+                                  </p:childTnLst>
+                                </p:cTn>
+                              </p:par>
+                            </p:childTnLst>
+                          </p:cTn>
+                        </p:par>
+                      </p:childTnLst>
+                    </p:cTn>
+                  </p:par>
+                  <p:par>
+                    <p:cTn id="11" fill="hold">
+                      <p:stCondLst>
+                        <p:cond delay="indefinite"/>
+                      </p:stCondLst>
+                      <p:childTnLst>
+                        <p:par>
+                          <p:cTn id="12" fill="hold">
+                            <p:stCondLst>
+                              <p:cond delay="0"/>
+                            </p:stCondLst>
+                            <p:childTnLst>
+                              <p:par>
+                                <p:cTn id="13" presetID="1" presetClass="entr" presetSubtype="0" fill="hold" nodeType="clickEffect">
+                                  <p:stCondLst>
+                                    <p:cond delay="0"/>
+                                  </p:stCondLst>
+                                  <p:childTnLst>
+                                    <p:set>
+                                      <p:cBhvr>
+                                        <p:cTn id="14" dur="1" fill="hold">
+                                          <p:stCondLst>
+                                            <p:cond delay="0"/>
+                                          </p:stCondLst>
+                                        </p:cTn>
+                                        <p:tgtEl>
+                                          <p:spTgt spid="3">
+                                            <p:txEl>
+                                              <p:pRg st="5" end="5"/>
+                                            </p:txEl>
+                                          </p:spTgt>
+                                        </p:tgtEl>
+                                        <p:attrNameLst>
+                                          <p:attrName>style.visibility</p:attrName>
+                                        </p:attrNameLst>
+                                      </p:cBhvr>
+                                      <p:to>
+                                        <p:strVal val="visible"/>
+                                      </p:to>
+                                    </p:set>
+                                  </p:childTnLst>
+                                </p:cTn>
+                              </p:par>
+                            </p:childTnLst>
+                          </p:cTn>
+                        </p:par>
+                      </p:childTnLst>
+                    </p:cTn>
+                  </p:par>
+                  <p:par>
+                    <p:cTn id="15" fill="hold">
+                      <p:stCondLst>
+                        <p:cond delay="indefinite"/>
+                      </p:stCondLst>
+                      <p:childTnLst>
+                        <p:par>
+                          <p:cTn id="16" fill="hold">
+                            <p:stCondLst>
+                              <p:cond delay="0"/>
+                            </p:stCondLst>
+                            <p:childTnLst>
+                              <p:par>
+                                <p:cTn id="17" presetID="1" presetClass="entr" presetSubtype="0" fill="hold" grpId="0" nodeType="clickEffect">
+                                  <p:stCondLst>
+                                    <p:cond delay="0"/>
+                                  </p:stCondLst>
+                                  <p:childTnLst>
+                                    <p:set>
+                                      <p:cBhvr>
+                                        <p:cTn id="18" dur="1" fill="hold">
+                                          <p:stCondLst>
+                                            <p:cond delay="0"/>
+                                          </p:stCondLst>
+                                        </p:cTn>
+                                        <p:tgtEl>
+                                          <p:spTgt spid="6"/>
+                                        </p:tgtEl>
+                                        <p:attrNameLst>
+                                          <p:attrName>style.visibility</p:attrName>
+                                        </p:attrNameLst>
+                                      </p:cBhvr>
+                                      <p:to>
+                                        <p:strVal val="visible"/>
+                                      </p:to>
+                                    </p:set>
+                                  </p:childTnLst>
+                                </p:cTn>
+                              </p:par>
+                            </p:childTnLst>
+                          </p:cTn>
+                        </p:par>
+                      </p:childTnLst>
+                    </p:cTn>
+                  </p:par>
+                </p:childTnLst>
+              </p:cTn>
+              <p:prevCondLst>
+                <p:cond evt="onPrev" delay="0">
+                  <p:tgtEl>
+                    <p:sldTgt/>
+                  </p:tgtEl>
+                </p:cond>
+              </p:prevCondLst>
+              <p:nextCondLst>
+                <p:cond evt="onNext" delay="0">
+                  <p:tgtEl>
+                    <p:sldTgt/>
+                  </p:tgtEl>
+                </p:cond>
+              </p:nextCondLst>
+            </p:seq>
+          </p:childTnLst>
+        </p:cTn>
+      </p:par>
+    </p:tnLst>
+    <p:bldLst>
+      <p:bldP spid="6" grpId="0" animBg="1"/>
+    </p:bldLst>
+  </p:timing>
 </p:sld>
 </file>
 
@@ -5880,6 +6891,151 @@
             <p:ph type="title"/>
           </p:nvPr>
         </p:nvSpPr>
+        <p:spPr/>
+        <p:txBody>
+          <a:bodyPr/>
+          <a:lstStyle/>
+          <a:p>
+            <a:r>
+              <a:rPr lang="en-US" dirty="0" smtClean="0"/>
+              <a:t>Tuning the No-U-Turn Sampler</a:t>
+            </a:r>
+            <a:endParaRPr lang="en-US" dirty="0"/>
+          </a:p>
+        </p:txBody>
+      </p:sp>
+      <p:sp>
+        <p:nvSpPr>
+          <p:cNvPr id="3" name="Content Placeholder 2"/>
+          <p:cNvSpPr>
+            <a:spLocks noGrp="1"/>
+          </p:cNvSpPr>
+          <p:nvPr>
+            <p:ph idx="1"/>
+          </p:nvPr>
+        </p:nvSpPr>
+        <p:spPr/>
+        <p:txBody>
+          <a:bodyPr>
+            <a:normAutofit lnSpcReduction="10000"/>
+          </a:bodyPr>
+          <a:lstStyle/>
+          <a:p>
+            <a:r>
+              <a:rPr lang="en-US" dirty="0" smtClean="0"/>
+              <a:t>Eliminates the need to specify ɛ or L: ɛ is tuned during the warmup phase, L dynamically. </a:t>
+            </a:r>
+          </a:p>
+          <a:p>
+            <a:r>
+              <a:rPr lang="en-US" dirty="0" smtClean="0"/>
+              <a:t>But, introduces new tuning parameters:</a:t>
+            </a:r>
+          </a:p>
+          <a:p>
+            <a:pPr lvl="1"/>
+            <a:r>
+              <a:rPr lang="en-US" dirty="0" err="1"/>
+              <a:t>m</a:t>
+            </a:r>
+            <a:r>
+              <a:rPr lang="en-US" dirty="0" err="1" smtClean="0"/>
+              <a:t>ax_depth</a:t>
+            </a:r>
+            <a:r>
+              <a:rPr lang="en-US" dirty="0" smtClean="0"/>
+              <a:t>: Maximum tree depth. </a:t>
+            </a:r>
+          </a:p>
+          <a:p>
+            <a:pPr lvl="1"/>
+            <a:r>
+              <a:rPr lang="en-US" dirty="0" smtClean="0"/>
+              <a:t>Delta=0.6: The target acceptance rate.</a:t>
+            </a:r>
+          </a:p>
+          <a:p>
+            <a:pPr lvl="1"/>
+            <a:r>
+              <a:rPr lang="el-GR" dirty="0" smtClean="0"/>
+              <a:t>γ</a:t>
+            </a:r>
+            <a:r>
+              <a:rPr lang="en-US" dirty="0" smtClean="0"/>
+              <a:t>=0.05, </a:t>
+            </a:r>
+            <a:r>
+              <a:rPr lang="el-GR" dirty="0" smtClean="0"/>
+              <a:t>κ</a:t>
+            </a:r>
+            <a:r>
+              <a:rPr lang="en-US" dirty="0" smtClean="0"/>
+              <a:t>=0.75, t</a:t>
+            </a:r>
+            <a:r>
+              <a:rPr lang="en-US" baseline="-25000" dirty="0" smtClean="0"/>
+              <a:t>0</a:t>
+            </a:r>
+            <a:r>
+              <a:rPr lang="en-US" dirty="0" smtClean="0"/>
+              <a:t>=10: For dual averaging</a:t>
+            </a:r>
+          </a:p>
+          <a:p>
+            <a:r>
+              <a:rPr lang="en-US" dirty="0" smtClean="0"/>
+              <a:t>However, this seems to work smoothly without intervention (good for general use)</a:t>
+            </a:r>
+          </a:p>
+        </p:txBody>
+      </p:sp>
+    </p:spTree>
+    <p:extLst>
+      <p:ext uri="{BB962C8B-B14F-4D97-AF65-F5344CB8AC3E}">
+        <p14:creationId xmlns:p14="http://schemas.microsoft.com/office/powerpoint/2010/main" val="591498911"/>
+      </p:ext>
+    </p:extLst>
+  </p:cSld>
+  <p:clrMapOvr>
+    <a:masterClrMapping/>
+  </p:clrMapOvr>
+  <p:timing>
+    <p:tnLst>
+      <p:par>
+        <p:cTn id="1" dur="indefinite" restart="never" nodeType="tmRoot"/>
+      </p:par>
+    </p:tnLst>
+  </p:timing>
+</p:sld>
+</file>
+
+<file path=ppt/slides/slide21.xml><?xml version="1.0" encoding="utf-8"?>
+<p:sld xmlns:a="http://schemas.openxmlformats.org/drawingml/2006/main" xmlns:r="http://schemas.openxmlformats.org/officeDocument/2006/relationships" xmlns:p="http://schemas.openxmlformats.org/presentationml/2006/main">
+  <p:cSld>
+    <p:spTree>
+      <p:nvGrpSpPr>
+        <p:cNvPr id="1" name=""/>
+        <p:cNvGrpSpPr/>
+        <p:nvPr/>
+      </p:nvGrpSpPr>
+      <p:grpSpPr>
+        <a:xfrm>
+          <a:off x="0" y="0"/>
+          <a:ext cx="0" cy="0"/>
+          <a:chOff x="0" y="0"/>
+          <a:chExt cx="0" cy="0"/>
+        </a:xfrm>
+      </p:grpSpPr>
+      <p:sp>
+        <p:nvSpPr>
+          <p:cNvPr id="2" name="Title 1"/>
+          <p:cNvSpPr>
+            <a:spLocks noGrp="1"/>
+          </p:cNvSpPr>
+          <p:nvPr>
+            <p:ph type="title"/>
+          </p:nvPr>
+        </p:nvSpPr>
         <p:spPr>
           <a:xfrm>
             <a:off x="457200" y="-152400"/>
@@ -5908,7 +7064,7 @@
             <p:ph idx="1"/>
             <p:extLst>
               <p:ext uri="{D42A27DB-BD31-4B8C-83A1-F6EECF244321}">
-                <p14:modId xmlns:p14="http://schemas.microsoft.com/office/powerpoint/2010/main" val="41943617"/>
+                <p14:modId xmlns:p14="http://schemas.microsoft.com/office/powerpoint/2010/main" val="3109201344"/>
               </p:ext>
             </p:extLst>
           </p:nvPr>
@@ -6015,7 +7171,7 @@
                       <a:pPr algn="r"/>
                       <a:r>
                         <a:rPr lang="en-US" dirty="0" smtClean="0"/>
-                        <a:t>HMC</a:t>
+                        <a:t>Static HMC</a:t>
                       </a:r>
                       <a:endParaRPr lang="en-US" dirty="0"/>
                     </a:p>
@@ -6637,20 +7793,20 @@
                     <a:p>
                       <a:pPr algn="ctr"/>
                       <a:r>
-                        <a:rPr lang="en-US" dirty="0" err="1" smtClean="0">
+                        <a:rPr lang="en-US" dirty="0" smtClean="0">
                           <a:latin typeface="Courier New" panose="02070309020205020404" pitchFamily="49" charset="0"/>
                           <a:cs typeface="Courier New" panose="02070309020205020404" pitchFamily="49" charset="0"/>
                         </a:rPr>
                         <a:t>int_time</a:t>
                       </a:r>
                       <a:r>
-                        <a:rPr lang="en-US" baseline="0" dirty="0" smtClean="0">
-                          <a:latin typeface="Arial" panose="020B0604020202020204" pitchFamily="34" charset="0"/>
-                          <a:cs typeface="Arial" panose="020B0604020202020204" pitchFamily="34" charset="0"/>
+                        <a:rPr lang="en-US" sz="1800" baseline="30000" dirty="0" smtClean="0">
+                          <a:latin typeface="Courier New" panose="02070309020205020404" pitchFamily="49" charset="0"/>
+                          <a:cs typeface="Courier New" panose="02070309020205020404" pitchFamily="49" charset="0"/>
                         </a:rPr>
-                        <a:t> (kind of)</a:t>
+                        <a:t>1</a:t>
                       </a:r>
-                      <a:endParaRPr lang="en-US" dirty="0">
+                      <a:endParaRPr lang="en-US" baseline="30000" dirty="0">
                         <a:latin typeface="Arial" panose="020B0604020202020204" pitchFamily="34" charset="0"/>
                         <a:cs typeface="Arial" panose="020B0604020202020204" pitchFamily="34" charset="0"/>
                       </a:endParaRPr>
@@ -7095,8 +8251,8 @@
         </p:nvSpPr>
         <p:spPr>
           <a:xfrm>
-            <a:off x="443593" y="5257800"/>
-            <a:ext cx="8305800" cy="584775"/>
+            <a:off x="457200" y="5257800"/>
+            <a:ext cx="8305800" cy="1015663"/>
           </a:xfrm>
           <a:prstGeom prst="rect">
             <a:avLst/>
@@ -7114,10 +8270,10 @@
               <a:buChar char="•"/>
             </a:pPr>
             <a:r>
-              <a:rPr lang="en-US" sz="1600" dirty="0" smtClean="0"/>
+              <a:rPr lang="en-US" sz="2000" dirty="0" smtClean="0"/>
               <a:t>Stan is state-of-the art for HMC. TMB and ADMB are very far behind </a:t>
             </a:r>
-            <a:endParaRPr lang="en-US" sz="1600" dirty="0" smtClean="0">
+            <a:endParaRPr lang="en-US" sz="2000" dirty="0" smtClean="0">
               <a:hlinkClick r:id="rId2"/>
             </a:endParaRPr>
           </a:p>
@@ -7127,18 +8283,42 @@
               <a:buChar char="•"/>
             </a:pPr>
             <a:r>
-              <a:rPr lang="en-US" sz="1600" dirty="0" smtClean="0">
+              <a:rPr lang="en-US" sz="2000" dirty="0" smtClean="0">
                 <a:hlinkClick r:id="rId2"/>
               </a:rPr>
               <a:t>https</a:t>
             </a:r>
             <a:r>
-              <a:rPr lang="en-US" sz="1600" dirty="0">
+              <a:rPr lang="en-US" sz="2000" dirty="0">
                 <a:hlinkClick r:id="rId2"/>
               </a:rPr>
-              <a:t>://github.com/kaskr/adcomp/blob/master/TMB/R/mcmc.R</a:t>
-            </a:r>
-            <a:endParaRPr lang="en-US" dirty="0"/>
+              <a:t>://</a:t>
+            </a:r>
+            <a:r>
+              <a:rPr lang="en-US" sz="2000" dirty="0" smtClean="0">
+                <a:hlinkClick r:id="rId2"/>
+              </a:rPr>
+              <a:t>github.com/kaskr/adcomp/blob/master/TMB/R/mcmc.R</a:t>
+            </a:r>
+            <a:endParaRPr lang="en-US" sz="2000" dirty="0" smtClean="0"/>
+          </a:p>
+          <a:p>
+            <a:pPr marL="285750" indent="-285750">
+              <a:buFont typeface="Arial" panose="020B0604020202020204" pitchFamily="34" charset="0"/>
+              <a:buChar char="•"/>
+            </a:pPr>
+            <a:r>
+              <a:rPr lang="en-US" sz="2000" baseline="30000" dirty="0">
+                <a:latin typeface="Courier New" panose="02070309020205020404" pitchFamily="49" charset="0"/>
+                <a:cs typeface="Courier New" panose="02070309020205020404" pitchFamily="49" charset="0"/>
+              </a:rPr>
+              <a:t>1</a:t>
+            </a:r>
+            <a:r>
+              <a:rPr lang="en-US" sz="2000" dirty="0" smtClean="0"/>
+              <a:t> Technically integrated time (=eps*L) </a:t>
+            </a:r>
+            <a:endParaRPr lang="en-US" sz="2400" dirty="0"/>
           </a:p>
         </p:txBody>
       </p:sp>
@@ -7162,7 +8342,7 @@
 </p:sld>
 </file>
 
-<file path=ppt/slides/slide21.xml><?xml version="1.0" encoding="utf-8"?>
+<file path=ppt/slides/slide22.xml><?xml version="1.0" encoding="utf-8"?>
 <p:sld xmlns:a="http://schemas.openxmlformats.org/drawingml/2006/main" xmlns:r="http://schemas.openxmlformats.org/officeDocument/2006/relationships" xmlns:p="http://schemas.openxmlformats.org/presentationml/2006/main">
   <p:cSld>
     <p:spTree>
@@ -7215,98 +8395,266 @@
         <p:spPr>
           <a:xfrm>
             <a:off x="457200" y="1600200"/>
+            <a:ext cx="8382000" cy="5029200"/>
+          </a:xfrm>
+        </p:spPr>
+        <p:txBody>
+          <a:bodyPr>
+            <a:normAutofit/>
+          </a:bodyPr>
+          <a:lstStyle/>
+          <a:p>
+            <a:r>
+              <a:rPr lang="en-US" dirty="0" smtClean="0"/>
+              <a:t>Beta versions of RWM, HMC and NUTS</a:t>
+            </a:r>
+          </a:p>
+          <a:p>
+            <a:r>
+              <a:rPr lang="en-US" dirty="0" smtClean="0"/>
+              <a:t>Mass </a:t>
+            </a:r>
+            <a:r>
+              <a:rPr lang="en-US" dirty="0" smtClean="0"/>
+              <a:t>matrix </a:t>
+            </a:r>
+            <a:r>
+              <a:rPr lang="en-US" dirty="0" smtClean="0"/>
+              <a:t>argument (</a:t>
+            </a:r>
+            <a:r>
+              <a:rPr lang="en-US" dirty="0" err="1" smtClean="0">
+                <a:latin typeface="Courier New" panose="02070309020205020404" pitchFamily="49" charset="0"/>
+                <a:cs typeface="Courier New" panose="02070309020205020404" pitchFamily="49" charset="0"/>
+              </a:rPr>
+              <a:t>covar</a:t>
+            </a:r>
+            <a:r>
+              <a:rPr lang="en-US" dirty="0" smtClean="0"/>
+              <a:t>), </a:t>
+            </a:r>
+            <a:r>
+              <a:rPr lang="en-US" dirty="0" smtClean="0"/>
+              <a:t>but </a:t>
+            </a:r>
+            <a:r>
+              <a:rPr lang="en-US" dirty="0" smtClean="0"/>
+              <a:t>no adaptation </a:t>
+            </a:r>
+            <a:r>
+              <a:rPr lang="en-US" dirty="0" smtClean="0"/>
+              <a:t>(like Stan). </a:t>
+            </a:r>
+            <a:endParaRPr lang="en-US" dirty="0" smtClean="0"/>
+          </a:p>
+          <a:p>
+            <a:r>
+              <a:rPr lang="en-US" dirty="0" smtClean="0"/>
+              <a:t>Bounding </a:t>
+            </a:r>
+            <a:r>
+              <a:rPr lang="en-US" dirty="0" smtClean="0"/>
+              <a:t>must be done internally (disadvantage)</a:t>
+            </a:r>
+          </a:p>
+          <a:p>
+            <a:pPr lvl="1"/>
+            <a:r>
+              <a:rPr lang="en-US" sz="2400" dirty="0" smtClean="0"/>
+              <a:t>Next version </a:t>
+            </a:r>
+            <a:r>
+              <a:rPr lang="en-US" sz="2400" dirty="0" smtClean="0"/>
+              <a:t>will </a:t>
+            </a:r>
+            <a:r>
+              <a:rPr lang="en-US" sz="2400" dirty="0" smtClean="0"/>
+              <a:t>have box constraints (help wanted!</a:t>
+            </a:r>
+            <a:r>
+              <a:rPr lang="en-US" dirty="0" smtClean="0"/>
+              <a:t>)</a:t>
+            </a:r>
+            <a:endParaRPr lang="en-US" dirty="0" smtClean="0"/>
+          </a:p>
+          <a:p>
+            <a:r>
+              <a:rPr lang="en-US" dirty="0" smtClean="0"/>
+              <a:t>Can do LA at each </a:t>
+            </a:r>
+            <a:r>
+              <a:rPr lang="en-US" dirty="0" smtClean="0"/>
+              <a:t>iteration, </a:t>
+            </a:r>
+            <a:r>
+              <a:rPr lang="en-US" dirty="0" smtClean="0"/>
+              <a:t>or </a:t>
+            </a:r>
+            <a:r>
+              <a:rPr lang="en-US" dirty="0" smtClean="0"/>
+              <a:t>not, </a:t>
+            </a:r>
+            <a:r>
+              <a:rPr lang="en-US" dirty="0" smtClean="0"/>
+              <a:t>for RE models</a:t>
+            </a:r>
+          </a:p>
+          <a:p>
+            <a:r>
+              <a:rPr lang="en-US" dirty="0" smtClean="0"/>
+              <a:t>Poor handling of </a:t>
+            </a:r>
+            <a:r>
+              <a:rPr lang="en-US" dirty="0" err="1" smtClean="0"/>
+              <a:t>NaN’s</a:t>
+            </a:r>
+            <a:r>
+              <a:rPr lang="en-US" dirty="0" smtClean="0"/>
+              <a:t> </a:t>
+            </a:r>
+            <a:r>
+              <a:rPr lang="en-US" dirty="0" smtClean="0"/>
+              <a:t>(</a:t>
+            </a:r>
+            <a:r>
+              <a:rPr lang="en-US" dirty="0" err="1" smtClean="0">
+                <a:latin typeface="Courier New" panose="02070309020205020404" pitchFamily="49" charset="0"/>
+                <a:cs typeface="Courier New" panose="02070309020205020404" pitchFamily="49" charset="0"/>
+              </a:rPr>
+              <a:t>fn</a:t>
+            </a:r>
+            <a:r>
+              <a:rPr lang="en-US" dirty="0" smtClean="0"/>
+              <a:t> and </a:t>
+            </a:r>
+            <a:r>
+              <a:rPr lang="en-US" dirty="0" smtClean="0">
+                <a:latin typeface="Courier New" panose="02070309020205020404" pitchFamily="49" charset="0"/>
+                <a:cs typeface="Courier New" panose="02070309020205020404" pitchFamily="49" charset="0"/>
+              </a:rPr>
+              <a:t>gr</a:t>
+            </a:r>
+            <a:r>
+              <a:rPr lang="en-US" dirty="0" smtClean="0"/>
+              <a:t>)</a:t>
+            </a:r>
+          </a:p>
+        </p:txBody>
+      </p:sp>
+    </p:spTree>
+    <p:extLst>
+      <p:ext uri="{BB962C8B-B14F-4D97-AF65-F5344CB8AC3E}">
+        <p14:creationId xmlns:p14="http://schemas.microsoft.com/office/powerpoint/2010/main" val="450423429"/>
+      </p:ext>
+    </p:extLst>
+  </p:cSld>
+  <p:clrMapOvr>
+    <a:masterClrMapping/>
+  </p:clrMapOvr>
+  <p:timing>
+    <p:tnLst>
+      <p:par>
+        <p:cTn id="1" dur="indefinite" restart="never" nodeType="tmRoot"/>
+      </p:par>
+    </p:tnLst>
+  </p:timing>
+</p:sld>
+</file>
+
+<file path=ppt/slides/slide23.xml><?xml version="1.0" encoding="utf-8"?>
+<p:sld xmlns:a="http://schemas.openxmlformats.org/drawingml/2006/main" xmlns:r="http://schemas.openxmlformats.org/officeDocument/2006/relationships" xmlns:p="http://schemas.openxmlformats.org/presentationml/2006/main">
+  <p:cSld>
+    <p:spTree>
+      <p:nvGrpSpPr>
+        <p:cNvPr id="1" name=""/>
+        <p:cNvGrpSpPr/>
+        <p:nvPr/>
+      </p:nvGrpSpPr>
+      <p:grpSpPr>
+        <a:xfrm>
+          <a:off x="0" y="0"/>
+          <a:ext cx="0" cy="0"/>
+          <a:chOff x="0" y="0"/>
+          <a:chExt cx="0" cy="0"/>
+        </a:xfrm>
+      </p:grpSpPr>
+      <p:sp>
+        <p:nvSpPr>
+          <p:cNvPr id="2" name="Title 1"/>
+          <p:cNvSpPr>
+            <a:spLocks noGrp="1"/>
+          </p:cNvSpPr>
+          <p:nvPr>
+            <p:ph type="title"/>
+          </p:nvPr>
+        </p:nvSpPr>
+        <p:spPr/>
+        <p:txBody>
+          <a:bodyPr/>
+          <a:lstStyle/>
+          <a:p>
+            <a:r>
+              <a:rPr lang="en-US" dirty="0" smtClean="0"/>
+              <a:t>State of HMC in </a:t>
+            </a:r>
+            <a:r>
+              <a:rPr lang="en-US" dirty="0" smtClean="0"/>
+              <a:t>TMB</a:t>
+            </a:r>
+            <a:endParaRPr lang="en-US" dirty="0"/>
+          </a:p>
+        </p:txBody>
+      </p:sp>
+      <p:sp>
+        <p:nvSpPr>
+          <p:cNvPr id="3" name="Content Placeholder 2"/>
+          <p:cNvSpPr>
+            <a:spLocks noGrp="1"/>
+          </p:cNvSpPr>
+          <p:nvPr>
+            <p:ph idx="1"/>
+          </p:nvPr>
+        </p:nvSpPr>
+        <p:spPr>
+          <a:xfrm>
+            <a:off x="457200" y="1600200"/>
             <a:ext cx="8229600" cy="5029200"/>
           </a:xfrm>
         </p:spPr>
         <p:txBody>
           <a:bodyPr>
-            <a:normAutofit fontScale="92500" lnSpcReduction="20000"/>
+            <a:normAutofit/>
           </a:bodyPr>
           <a:lstStyle/>
           <a:p>
             <a:r>
               <a:rPr lang="en-US" dirty="0" smtClean="0"/>
-              <a:t>Beta versions of </a:t>
-            </a:r>
-            <a:r>
-              <a:rPr lang="en-US" dirty="0" smtClean="0"/>
-              <a:t>RWM, HMC </a:t>
-            </a:r>
-            <a:r>
-              <a:rPr lang="en-US" dirty="0" smtClean="0"/>
-              <a:t>and NUTS</a:t>
-            </a:r>
-          </a:p>
-          <a:p>
-            <a:r>
-              <a:rPr lang="en-US" dirty="0" smtClean="0"/>
-              <a:t>Can specify mass matrix (covariance matrix) but it does not adapt (like Stan</a:t>
-            </a:r>
-            <a:r>
-              <a:rPr lang="en-US" dirty="0" smtClean="0"/>
-              <a:t>). Kind of buggy still..</a:t>
-            </a:r>
-            <a:endParaRPr lang="en-US" dirty="0" smtClean="0"/>
-          </a:p>
-          <a:p>
-            <a:r>
-              <a:rPr lang="en-US" dirty="0" smtClean="0"/>
-              <a:t>Bounding must be </a:t>
-            </a:r>
-            <a:r>
-              <a:rPr lang="en-US" dirty="0" smtClean="0"/>
-              <a:t>done </a:t>
-            </a:r>
-            <a:r>
-              <a:rPr lang="en-US" dirty="0" smtClean="0"/>
-              <a:t>internally (disadvantage</a:t>
-            </a:r>
-            <a:r>
-              <a:rPr lang="en-US" dirty="0" smtClean="0"/>
-              <a:t>)</a:t>
-            </a:r>
+              <a:t>Individual samplers can be used w/ analytical gradients too</a:t>
+            </a:r>
+          </a:p>
+          <a:p>
+            <a:r>
+              <a:rPr lang="en-US" dirty="0" smtClean="0"/>
+              <a:t>Burn in (warmup) and thinning must be done externally for now</a:t>
+            </a:r>
+          </a:p>
+          <a:p>
+            <a:r>
+              <a:rPr lang="en-US" dirty="0" smtClean="0"/>
+              <a:t>Diagnostic=TRUE will return diagnostic info, particularly useful for NUTS</a:t>
+            </a:r>
+          </a:p>
+          <a:p>
+            <a:r>
+              <a:rPr lang="en-US" dirty="0" smtClean="0"/>
+              <a:t>Try it out and let me know if you want to help contribute!</a:t>
+            </a:r>
+            <a:endParaRPr lang="en-US" sz="2600" dirty="0" smtClean="0"/>
           </a:p>
           <a:p>
             <a:pPr lvl="1"/>
             <a:r>
-              <a:rPr lang="en-US" dirty="0" smtClean="0"/>
-              <a:t>Future versions will be specified as box constraints</a:t>
-            </a:r>
-          </a:p>
-          <a:p>
-            <a:r>
-              <a:rPr lang="en-US" dirty="0" smtClean="0"/>
-              <a:t>Can do LA at each iteration or </a:t>
-            </a:r>
-            <a:r>
-              <a:rPr lang="en-US" dirty="0" smtClean="0"/>
-              <a:t>not for RE models</a:t>
-            </a:r>
-          </a:p>
-          <a:p>
-            <a:r>
-              <a:rPr lang="en-US" dirty="0" smtClean="0"/>
-              <a:t>Does not handle </a:t>
-            </a:r>
-            <a:r>
-              <a:rPr lang="en-US" dirty="0" err="1" smtClean="0"/>
-              <a:t>NaN’s</a:t>
-            </a:r>
-            <a:r>
-              <a:rPr lang="en-US" dirty="0" smtClean="0"/>
-              <a:t> very well currently</a:t>
-            </a:r>
-          </a:p>
-          <a:p>
-            <a:r>
-              <a:rPr lang="en-US" dirty="0" smtClean="0"/>
-              <a:t>Try it out and let me know if you want to help contribute!</a:t>
-            </a:r>
-          </a:p>
-          <a:p>
-            <a:pPr lvl="1"/>
-            <a:r>
-              <a:rPr lang="en-US" dirty="0">
+              <a:rPr lang="en-US" sz="2200" dirty="0" smtClean="0">
                 <a:hlinkClick r:id="rId2"/>
               </a:rPr>
               <a:t>https://github.com/kaskr/adcomp/blob/master/TMB/R/mcmc.R</a:t>
@@ -7335,6 +8683,193 @@
 </p:sld>
 </file>
 
+<file path=ppt/slides/slide24.xml><?xml version="1.0" encoding="utf-8"?>
+<p:sld xmlns:a="http://schemas.openxmlformats.org/drawingml/2006/main" xmlns:r="http://schemas.openxmlformats.org/officeDocument/2006/relationships" xmlns:p="http://schemas.openxmlformats.org/presentationml/2006/main">
+  <p:cSld>
+    <p:spTree>
+      <p:nvGrpSpPr>
+        <p:cNvPr id="1" name=""/>
+        <p:cNvGrpSpPr/>
+        <p:nvPr/>
+      </p:nvGrpSpPr>
+      <p:grpSpPr>
+        <a:xfrm>
+          <a:off x="0" y="0"/>
+          <a:ext cx="0" cy="0"/>
+          <a:chOff x="0" y="0"/>
+          <a:chExt cx="0" cy="0"/>
+        </a:xfrm>
+      </p:grpSpPr>
+      <p:sp>
+        <p:nvSpPr>
+          <p:cNvPr id="2" name="Title 1"/>
+          <p:cNvSpPr>
+            <a:spLocks noGrp="1"/>
+          </p:cNvSpPr>
+          <p:nvPr>
+            <p:ph type="title"/>
+          </p:nvPr>
+        </p:nvSpPr>
+        <p:spPr/>
+        <p:txBody>
+          <a:bodyPr/>
+          <a:lstStyle/>
+          <a:p>
+            <a:r>
+              <a:rPr lang="en-US" dirty="0" smtClean="0"/>
+              <a:t>Bottom line</a:t>
+            </a:r>
+            <a:endParaRPr lang="en-US" dirty="0"/>
+          </a:p>
+        </p:txBody>
+      </p:sp>
+      <p:sp>
+        <p:nvSpPr>
+          <p:cNvPr id="3" name="Content Placeholder 2"/>
+          <p:cNvSpPr>
+            <a:spLocks noGrp="1"/>
+          </p:cNvSpPr>
+          <p:nvPr>
+            <p:ph idx="1"/>
+          </p:nvPr>
+        </p:nvSpPr>
+        <p:spPr>
+          <a:xfrm>
+            <a:off x="457200" y="1295400"/>
+            <a:ext cx="8229600" cy="5181600"/>
+          </a:xfrm>
+        </p:spPr>
+        <p:txBody>
+          <a:bodyPr>
+            <a:normAutofit fontScale="85000" lnSpcReduction="10000"/>
+          </a:bodyPr>
+          <a:lstStyle/>
+          <a:p>
+            <a:r>
+              <a:rPr lang="en-US" dirty="0" smtClean="0"/>
+              <a:t>Use Stan if only care about MCMC</a:t>
+            </a:r>
+          </a:p>
+          <a:p>
+            <a:r>
+              <a:rPr lang="en-US" dirty="0" smtClean="0"/>
+              <a:t>If using TMB, start with NUTS and adaptive step size </a:t>
+            </a:r>
+          </a:p>
+          <a:p>
+            <a:r>
+              <a:rPr lang="en-US" dirty="0" smtClean="0"/>
+              <a:t>Should work well for fixed and mixed models, the latter being helped by ‘non-centering’ your RE</a:t>
+            </a:r>
+            <a:r>
+              <a:rPr lang="en-US" baseline="30000" dirty="0" smtClean="0"/>
+              <a:t>1</a:t>
+            </a:r>
+          </a:p>
+          <a:p>
+            <a:r>
+              <a:rPr lang="en-US" dirty="0" err="1" smtClean="0">
+                <a:latin typeface="Courier New" panose="02070309020205020404" pitchFamily="49" charset="0"/>
+                <a:cs typeface="Courier New" panose="02070309020205020404" pitchFamily="49" charset="0"/>
+              </a:rPr>
+              <a:t>covar</a:t>
+            </a:r>
+            <a:r>
+              <a:rPr lang="en-US" dirty="0" smtClean="0"/>
+              <a:t> option can help a lot, but has computational overhead and not as thoroughly tested</a:t>
+            </a:r>
+          </a:p>
+          <a:p>
+            <a:r>
+              <a:rPr lang="en-US" dirty="0" smtClean="0"/>
+              <a:t>You must specify priors explicitly!! </a:t>
+            </a:r>
+            <a:endParaRPr lang="en-US" dirty="0"/>
+          </a:p>
+          <a:p>
+            <a:r>
+              <a:rPr lang="en-US" dirty="0" smtClean="0"/>
+              <a:t>Beware of implicit improper uniform priors</a:t>
+            </a:r>
+          </a:p>
+          <a:p>
+            <a:r>
+              <a:rPr lang="en-US" dirty="0" smtClean="0"/>
+              <a:t>NUTS did not save the world, you still need to be a proactive user:</a:t>
+            </a:r>
+          </a:p>
+          <a:p>
+            <a:pPr lvl="1"/>
+            <a:r>
+              <a:rPr lang="en-US" dirty="0" smtClean="0"/>
+              <a:t>Multiple starting values, Check convergence statistics, Use common sense, </a:t>
+            </a:r>
+            <a:r>
+              <a:rPr lang="en-US" dirty="0" err="1" smtClean="0"/>
+              <a:t>Reparameterize</a:t>
+            </a:r>
+            <a:r>
+              <a:rPr lang="en-US" dirty="0" smtClean="0"/>
+              <a:t> where possible, etc.</a:t>
+            </a:r>
+            <a:endParaRPr lang="en-US" dirty="0"/>
+          </a:p>
+        </p:txBody>
+      </p:sp>
+      <p:sp>
+        <p:nvSpPr>
+          <p:cNvPr id="4" name="TextBox 3"/>
+          <p:cNvSpPr txBox="1"/>
+          <p:nvPr/>
+        </p:nvSpPr>
+        <p:spPr>
+          <a:xfrm>
+            <a:off x="457200" y="6477000"/>
+            <a:ext cx="8305800" cy="369332"/>
+          </a:xfrm>
+          <a:prstGeom prst="rect">
+            <a:avLst/>
+          </a:prstGeom>
+          <a:noFill/>
+        </p:spPr>
+        <p:txBody>
+          <a:bodyPr wrap="square" rtlCol="0">
+            <a:spAutoFit/>
+          </a:bodyPr>
+          <a:lstStyle/>
+          <a:p>
+            <a:r>
+              <a:rPr lang="en-US" baseline="30000" dirty="0"/>
+              <a:t>1</a:t>
+            </a:r>
+            <a:r>
+              <a:rPr lang="en-US" dirty="0" smtClean="0"/>
+              <a:t> Betancourt and </a:t>
+            </a:r>
+            <a:r>
+              <a:rPr lang="en-US" dirty="0" err="1" smtClean="0"/>
+              <a:t>Girolami</a:t>
+            </a:r>
+            <a:r>
+              <a:rPr lang="en-US" dirty="0"/>
+              <a:t> 2015: Hamiltonian Monte Carlo for hierarchical models </a:t>
+            </a:r>
+          </a:p>
+        </p:txBody>
+      </p:sp>
+    </p:spTree>
+    <p:extLst>
+      <p:ext uri="{BB962C8B-B14F-4D97-AF65-F5344CB8AC3E}">
+        <p14:creationId xmlns:p14="http://schemas.microsoft.com/office/powerpoint/2010/main" val="116028902"/>
+      </p:ext>
+    </p:extLst>
+  </p:cSld>
+  <p:clrMapOvr>
+    <a:masterClrMapping/>
+  </p:clrMapOvr>
+</p:sld>
+</file>
+
 <file path=ppt/slides/slide3.xml><?xml version="1.0" encoding="utf-8"?>
 <p:sld xmlns:a="http://schemas.openxmlformats.org/drawingml/2006/main" xmlns:r="http://schemas.openxmlformats.org/officeDocument/2006/relationships" xmlns:p="http://schemas.openxmlformats.org/presentationml/2006/main">
   <p:cSld>
@@ -7369,6 +8904,151 @@
           <a:p>
             <a:r>
               <a:rPr lang="en-US" dirty="0" smtClean="0"/>
+              <a:t>Difficult surfaces to fit</a:t>
+            </a:r>
+            <a:endParaRPr lang="en-US" dirty="0"/>
+          </a:p>
+        </p:txBody>
+      </p:sp>
+      <p:sp>
+        <p:nvSpPr>
+          <p:cNvPr id="3" name="Content Placeholder 2"/>
+          <p:cNvSpPr>
+            <a:spLocks noGrp="1"/>
+          </p:cNvSpPr>
+          <p:nvPr>
+            <p:ph idx="1"/>
+          </p:nvPr>
+        </p:nvSpPr>
+        <p:spPr>
+          <a:xfrm>
+            <a:off x="457200" y="1417638"/>
+            <a:ext cx="3886200" cy="5087937"/>
+          </a:xfrm>
+        </p:spPr>
+        <p:txBody>
+          <a:bodyPr>
+            <a:normAutofit/>
+          </a:bodyPr>
+          <a:lstStyle/>
+          <a:p>
+            <a:r>
+              <a:rPr lang="en-US" dirty="0" smtClean="0"/>
+              <a:t>Efficien</a:t>
+            </a:r>
+            <a:r>
+              <a:rPr lang="en-US" dirty="0" smtClean="0"/>
+              <a:t>t </a:t>
+            </a:r>
+            <a:r>
+              <a:rPr lang="en-US" dirty="0" smtClean="0"/>
+              <a:t>MCMC </a:t>
+            </a:r>
+            <a:r>
+              <a:rPr lang="en-US" dirty="0" smtClean="0"/>
+              <a:t>needs to </a:t>
+            </a:r>
+            <a:r>
+              <a:rPr lang="en-US" dirty="0" smtClean="0"/>
+              <a:t>move </a:t>
+            </a:r>
+            <a:r>
+              <a:rPr lang="en-US" dirty="0" smtClean="0"/>
+              <a:t>about space easily</a:t>
+            </a:r>
+          </a:p>
+          <a:p>
+            <a:r>
+              <a:rPr lang="en-US" dirty="0" smtClean="0"/>
+              <a:t>This shape is problematic for Gibbs and </a:t>
+            </a:r>
+            <a:r>
+              <a:rPr lang="en-US" dirty="0" smtClean="0"/>
+              <a:t>RWM:</a:t>
+            </a:r>
+            <a:endParaRPr lang="en-US" dirty="0" smtClean="0"/>
+          </a:p>
+          <a:p>
+            <a:pPr lvl="1"/>
+            <a:r>
+              <a:rPr lang="en-US" dirty="0" smtClean="0"/>
+              <a:t>May take many steps to get to other end</a:t>
+            </a:r>
+            <a:endParaRPr lang="en-US" dirty="0"/>
+          </a:p>
+        </p:txBody>
+      </p:sp>
+      <p:pic>
+        <p:nvPicPr>
+          <p:cNvPr id="4" name="Picture 3"/>
+          <p:cNvPicPr>
+            <a:picLocks noChangeAspect="1"/>
+          </p:cNvPicPr>
+          <p:nvPr/>
+        </p:nvPicPr>
+        <p:blipFill>
+          <a:blip r:embed="rId2"/>
+          <a:stretch>
+            <a:fillRect/>
+          </a:stretch>
+        </p:blipFill>
+        <p:spPr>
+          <a:xfrm>
+            <a:off x="4269756" y="2514600"/>
+            <a:ext cx="4762406" cy="3990975"/>
+          </a:xfrm>
+          <a:prstGeom prst="rect">
+            <a:avLst/>
+          </a:prstGeom>
+        </p:spPr>
+      </p:pic>
+    </p:spTree>
+    <p:extLst>
+      <p:ext uri="{BB962C8B-B14F-4D97-AF65-F5344CB8AC3E}">
+        <p14:creationId xmlns:p14="http://schemas.microsoft.com/office/powerpoint/2010/main" val="3508196523"/>
+      </p:ext>
+    </p:extLst>
+  </p:cSld>
+  <p:clrMapOvr>
+    <a:masterClrMapping/>
+  </p:clrMapOvr>
+</p:sld>
+</file>
+
+<file path=ppt/slides/slide4.xml><?xml version="1.0" encoding="utf-8"?>
+<p:sld xmlns:a="http://schemas.openxmlformats.org/drawingml/2006/main" xmlns:r="http://schemas.openxmlformats.org/officeDocument/2006/relationships" xmlns:p="http://schemas.openxmlformats.org/presentationml/2006/main">
+  <p:cSld>
+    <p:spTree>
+      <p:nvGrpSpPr>
+        <p:cNvPr id="1" name=""/>
+        <p:cNvGrpSpPr/>
+        <p:nvPr/>
+      </p:nvGrpSpPr>
+      <p:grpSpPr>
+        <a:xfrm>
+          <a:off x="0" y="0"/>
+          <a:ext cx="0" cy="0"/>
+          <a:chOff x="0" y="0"/>
+          <a:chExt cx="0" cy="0"/>
+        </a:xfrm>
+      </p:grpSpPr>
+      <p:sp>
+        <p:nvSpPr>
+          <p:cNvPr id="2" name="Title 1"/>
+          <p:cNvSpPr>
+            <a:spLocks noGrp="1"/>
+          </p:cNvSpPr>
+          <p:nvPr>
+            <p:ph type="title"/>
+          </p:nvPr>
+        </p:nvSpPr>
+        <p:spPr/>
+        <p:txBody>
+          <a:bodyPr/>
+          <a:lstStyle/>
+          <a:p>
+            <a:r>
+              <a:rPr lang="en-US" dirty="0" smtClean="0"/>
               <a:t>Beyond RWM and Gibbs</a:t>
             </a:r>
             <a:endParaRPr lang="en-US" dirty="0"/>
@@ -7463,7 +9143,11 @@
             </a:r>
             <a:r>
               <a:rPr lang="en-US" dirty="0" smtClean="0"/>
-              <a:t>: We could use the gradient </a:t>
+              <a:t>: We could use </a:t>
+            </a:r>
+            <a:r>
+              <a:rPr lang="en-US" dirty="0" smtClean="0"/>
+              <a:t>gradients </a:t>
             </a:r>
             <a:r>
               <a:rPr lang="en-US" u="sng" dirty="0" smtClean="0"/>
@@ -7501,7 +9185,7 @@
 </p:sld>
 </file>
 
-<file path=ppt/slides/slide4.xml><?xml version="1.0" encoding="utf-8"?>
+<file path=ppt/slides/slide5.xml><?xml version="1.0" encoding="utf-8"?>
 <p:sld xmlns:a="http://schemas.openxmlformats.org/drawingml/2006/main" xmlns:r="http://schemas.openxmlformats.org/officeDocument/2006/relationships" xmlns:p="http://schemas.openxmlformats.org/presentationml/2006/main">
   <p:cSld>
     <p:spTree>
@@ -7715,7 +9399,7 @@
           <a:graphicData uri="http://schemas.openxmlformats.org/presentationml/2006/ole">
             <mc:AlternateContent xmlns:mc="http://schemas.openxmlformats.org/markup-compatibility/2006">
               <mc:Choice xmlns:v="urn:schemas-microsoft-com:vml" Requires="v">
-                <p:oleObj spid="_x0000_s1139" name="Equation" r:id="rId3" imgW="2273040" imgH="431640" progId="Equation.DSMT4">
+                <p:oleObj spid="_x0000_s1143" name="Equation" r:id="rId3" imgW="2273040" imgH="431640" progId="Equation.DSMT4">
                   <p:embed/>
                 </p:oleObj>
               </mc:Choice>
@@ -8111,7 +9795,7 @@
 </p:sld>
 </file>
 
-<file path=ppt/slides/slide5.xml><?xml version="1.0" encoding="utf-8"?>
+<file path=ppt/slides/slide6.xml><?xml version="1.0" encoding="utf-8"?>
 <p:sld xmlns:a="http://schemas.openxmlformats.org/drawingml/2006/main" xmlns:r="http://schemas.openxmlformats.org/officeDocument/2006/relationships" xmlns:p="http://schemas.openxmlformats.org/presentationml/2006/main">
   <p:cSld>
     <p:spTree>
@@ -8494,7 +10178,7 @@
 </p:sld>
 </file>
 
-<file path=ppt/slides/slide6.xml><?xml version="1.0" encoding="utf-8"?>
+<file path=ppt/slides/slide7.xml><?xml version="1.0" encoding="utf-8"?>
 <p:sld xmlns:a="http://schemas.openxmlformats.org/drawingml/2006/main" xmlns:r="http://schemas.openxmlformats.org/officeDocument/2006/relationships" xmlns:p="http://schemas.openxmlformats.org/presentationml/2006/main">
   <p:cSld>
     <p:spTree>
@@ -8877,7 +10561,7 @@
 </p:sld>
 </file>
 
-<file path=ppt/slides/slide7.xml><?xml version="1.0" encoding="utf-8"?>
+<file path=ppt/slides/slide8.xml><?xml version="1.0" encoding="utf-8"?>
 <p:sld xmlns:a="http://schemas.openxmlformats.org/drawingml/2006/main" xmlns:r="http://schemas.openxmlformats.org/officeDocument/2006/relationships" xmlns:p="http://schemas.openxmlformats.org/presentationml/2006/main">
   <p:cSld>
     <p:spTree>
@@ -9083,7 +10767,7 @@
           <a:graphicData uri="http://schemas.openxmlformats.org/presentationml/2006/ole">
             <mc:AlternateContent xmlns:mc="http://schemas.openxmlformats.org/markup-compatibility/2006">
               <mc:Choice xmlns:v="urn:schemas-microsoft-com:vml" Requires="v">
-                <p:oleObj spid="_x0000_s5195" name="Equation" r:id="rId3" imgW="2730240" imgH="241200" progId="Equation.DSMT4">
+                <p:oleObj spid="_x0000_s5199" name="Equation" r:id="rId3" imgW="2730240" imgH="241200" progId="Equation.DSMT4">
                   <p:embed/>
                 </p:oleObj>
               </mc:Choice>
@@ -9218,155 +10902,6 @@
 </p:sld>
 </file>
 
-<file path=ppt/slides/slide8.xml><?xml version="1.0" encoding="utf-8"?>
-<p:sld xmlns:a="http://schemas.openxmlformats.org/drawingml/2006/main" xmlns:r="http://schemas.openxmlformats.org/officeDocument/2006/relationships" xmlns:p="http://schemas.openxmlformats.org/presentationml/2006/main">
-  <p:cSld>
-    <p:spTree>
-      <p:nvGrpSpPr>
-        <p:cNvPr id="1" name=""/>
-        <p:cNvGrpSpPr/>
-        <p:nvPr/>
-      </p:nvGrpSpPr>
-      <p:grpSpPr>
-        <a:xfrm>
-          <a:off x="0" y="0"/>
-          <a:ext cx="0" cy="0"/>
-          <a:chOff x="0" y="0"/>
-          <a:chExt cx="0" cy="0"/>
-        </a:xfrm>
-      </p:grpSpPr>
-      <p:sp>
-        <p:nvSpPr>
-          <p:cNvPr id="2" name="Title 1"/>
-          <p:cNvSpPr>
-            <a:spLocks noGrp="1"/>
-          </p:cNvSpPr>
-          <p:nvPr>
-            <p:ph type="title"/>
-          </p:nvPr>
-        </p:nvSpPr>
-        <p:spPr/>
-        <p:txBody>
-          <a:bodyPr/>
-          <a:lstStyle/>
-          <a:p>
-            <a:r>
-              <a:rPr lang="en-US" dirty="0" smtClean="0"/>
-              <a:t>Hamiltonian Monte Carlo</a:t>
-            </a:r>
-            <a:endParaRPr lang="en-US" dirty="0"/>
-          </a:p>
-        </p:txBody>
-      </p:sp>
-      <p:sp>
-        <p:nvSpPr>
-          <p:cNvPr id="3" name="Content Placeholder 2"/>
-          <p:cNvSpPr>
-            <a:spLocks noGrp="1"/>
-          </p:cNvSpPr>
-          <p:nvPr>
-            <p:ph idx="1"/>
-          </p:nvPr>
-        </p:nvSpPr>
-        <p:spPr>
-          <a:xfrm>
-            <a:off x="457200" y="1600200"/>
-            <a:ext cx="8229600" cy="4876800"/>
-          </a:xfrm>
-        </p:spPr>
-        <p:txBody>
-          <a:bodyPr>
-            <a:normAutofit fontScale="92500" lnSpcReduction="20000"/>
-          </a:bodyPr>
-          <a:lstStyle/>
-          <a:p>
-            <a:r>
-              <a:rPr lang="en-US" dirty="0" smtClean="0"/>
-              <a:t>Q: Why do we need to utilize a Hamiltonian system?</a:t>
-            </a:r>
-          </a:p>
-          <a:p>
-            <a:r>
-              <a:rPr lang="en-US" dirty="0" smtClean="0"/>
-              <a:t>A: Detailed balance! </a:t>
-            </a:r>
-          </a:p>
-          <a:p>
-            <a:r>
-              <a:rPr lang="en-US" dirty="0" smtClean="0"/>
-              <a:t>HMC has several mathematical properties advantageous for MCMC:</a:t>
-            </a:r>
-          </a:p>
-          <a:p>
-            <a:pPr lvl="1"/>
-            <a:r>
-              <a:rPr lang="en-US" dirty="0" smtClean="0"/>
-              <a:t>Reversible + Volume preserving. </a:t>
-            </a:r>
-          </a:p>
-          <a:p>
-            <a:pPr lvl="1"/>
-            <a:r>
-              <a:rPr lang="en-US" dirty="0" smtClean="0"/>
-              <a:t>Informally: the q cancels out. Impossible to calculate otherwise.</a:t>
-            </a:r>
-          </a:p>
-          <a:p>
-            <a:r>
-              <a:rPr lang="en-US" dirty="0" smtClean="0"/>
-              <a:t>Crucially, these hold under discretization</a:t>
-            </a:r>
-          </a:p>
-          <a:p>
-            <a:r>
-              <a:rPr lang="en-US" dirty="0" smtClean="0"/>
-              <a:t>Bottom line: </a:t>
-            </a:r>
-            <a:br>
-              <a:rPr lang="en-US" dirty="0" smtClean="0"/>
-            </a:br>
-            <a:r>
-              <a:rPr lang="en-US" sz="1300" dirty="0" smtClean="0"/>
-              <a:t> </a:t>
-            </a:r>
-            <a:r>
-              <a:rPr lang="en-US" dirty="0" smtClean="0"/>
-              <a:t/>
-            </a:r>
-            <a:br>
-              <a:rPr lang="en-US" dirty="0" smtClean="0"/>
-            </a:br>
-            <a:r>
-              <a:rPr lang="en-US" b="1" dirty="0" smtClean="0"/>
-              <a:t>The chain gives us samples from the posterior</a:t>
-            </a:r>
-          </a:p>
-          <a:p>
-            <a:pPr lvl="1"/>
-            <a:endParaRPr lang="en-US" dirty="0" smtClean="0"/>
-          </a:p>
-        </p:txBody>
-      </p:sp>
-    </p:spTree>
-    <p:extLst>
-      <p:ext uri="{BB962C8B-B14F-4D97-AF65-F5344CB8AC3E}">
-        <p14:creationId xmlns:p14="http://schemas.microsoft.com/office/powerpoint/2010/main" val="3073264346"/>
-      </p:ext>
-    </p:extLst>
-  </p:cSld>
-  <p:clrMapOvr>
-    <a:masterClrMapping/>
-  </p:clrMapOvr>
-  <p:timing>
-    <p:tnLst>
-      <p:par>
-        <p:cTn id="1" dur="indefinite" restart="never" nodeType="tmRoot"/>
-      </p:par>
-    </p:tnLst>
-  </p:timing>
-</p:sld>
-</file>
-
 <file path=ppt/slides/slide9.xml><?xml version="1.0" encoding="utf-8"?>
 <p:sld xmlns:a="http://schemas.openxmlformats.org/drawingml/2006/main" xmlns:r="http://schemas.openxmlformats.org/officeDocument/2006/relationships" xmlns:p="http://schemas.openxmlformats.org/presentationml/2006/main">
   <p:cSld>
@@ -9394,487 +10929,112 @@
             <p:ph type="title"/>
           </p:nvPr>
         </p:nvSpPr>
+        <p:spPr/>
+        <p:txBody>
+          <a:bodyPr/>
+          <a:lstStyle/>
+          <a:p>
+            <a:r>
+              <a:rPr lang="en-US" dirty="0" smtClean="0"/>
+              <a:t>Hamiltonian Monte Carlo</a:t>
+            </a:r>
+            <a:endParaRPr lang="en-US" dirty="0"/>
+          </a:p>
+        </p:txBody>
+      </p:sp>
+      <p:sp>
+        <p:nvSpPr>
+          <p:cNvPr id="3" name="Content Placeholder 2"/>
+          <p:cNvSpPr>
+            <a:spLocks noGrp="1"/>
+          </p:cNvSpPr>
+          <p:nvPr>
+            <p:ph idx="1"/>
+          </p:nvPr>
+        </p:nvSpPr>
         <p:spPr>
           <a:xfrm>
-            <a:off x="457200" y="0"/>
-            <a:ext cx="8229600" cy="1143000"/>
+            <a:off x="457200" y="1600200"/>
+            <a:ext cx="8229600" cy="4876800"/>
           </a:xfrm>
         </p:spPr>
         <p:txBody>
-          <a:bodyPr/>
+          <a:bodyPr>
+            <a:normAutofit fontScale="92500" lnSpcReduction="20000"/>
+          </a:bodyPr>
           <a:lstStyle/>
           <a:p>
             <a:r>
               <a:rPr lang="en-US" dirty="0" smtClean="0"/>
-              <a:t>HMC: Example trajectories</a:t>
-            </a:r>
-            <a:endParaRPr lang="en-US" dirty="0"/>
-          </a:p>
-        </p:txBody>
-      </p:sp>
-      <p:pic>
-        <p:nvPicPr>
-          <p:cNvPr id="4" name="Content Placeholder 3"/>
-          <p:cNvPicPr>
-            <a:picLocks noGrp="1" noChangeAspect="1"/>
-          </p:cNvPicPr>
-          <p:nvPr>
-            <p:ph idx="1"/>
-          </p:nvPr>
-        </p:nvPicPr>
-        <p:blipFill>
-          <a:blip r:embed="rId2" cstate="print">
-            <a:extLst>
-              <a:ext uri="{28A0092B-C50C-407E-A947-70E740481C1C}">
-                <a14:useLocalDpi xmlns:a14="http://schemas.microsoft.com/office/drawing/2010/main" val="0"/>
-              </a:ext>
-            </a:extLst>
-          </a:blip>
-          <a:stretch>
-            <a:fillRect/>
-          </a:stretch>
-        </p:blipFill>
-        <p:spPr>
-          <a:xfrm>
-            <a:off x="4724400" y="1270001"/>
-            <a:ext cx="3352799" cy="5587998"/>
-          </a:xfrm>
-        </p:spPr>
-      </p:pic>
-      <p:pic>
-        <p:nvPicPr>
-          <p:cNvPr id="5" name="Picture 4"/>
-          <p:cNvPicPr>
-            <a:picLocks noChangeAspect="1"/>
-          </p:cNvPicPr>
-          <p:nvPr/>
-        </p:nvPicPr>
-        <p:blipFill>
-          <a:blip r:embed="rId3" cstate="print">
-            <a:extLst>
-              <a:ext uri="{28A0092B-C50C-407E-A947-70E740481C1C}">
-                <a14:useLocalDpi xmlns:a14="http://schemas.microsoft.com/office/drawing/2010/main" val="0"/>
-              </a:ext>
-            </a:extLst>
-          </a:blip>
-          <a:stretch>
-            <a:fillRect/>
-          </a:stretch>
-        </p:blipFill>
-        <p:spPr>
-          <a:xfrm>
-            <a:off x="533401" y="1270001"/>
-            <a:ext cx="3352799" cy="5587998"/>
-          </a:xfrm>
-          <a:prstGeom prst="rect">
-            <a:avLst/>
-          </a:prstGeom>
-        </p:spPr>
-      </p:pic>
-      <p:grpSp>
-        <p:nvGrpSpPr>
-          <p:cNvPr id="17" name="Group 16"/>
-          <p:cNvGrpSpPr/>
-          <p:nvPr/>
-        </p:nvGrpSpPr>
-        <p:grpSpPr>
-          <a:xfrm>
-            <a:off x="5410200" y="2895600"/>
-            <a:ext cx="1524000" cy="521732"/>
-            <a:chOff x="1143000" y="2895600"/>
-            <a:chExt cx="1524000" cy="521732"/>
-          </a:xfrm>
-        </p:grpSpPr>
-        <p:sp>
-          <p:nvSpPr>
-            <p:cNvPr id="6" name="TextBox 5"/>
-            <p:cNvSpPr txBox="1"/>
-            <p:nvPr/>
-          </p:nvSpPr>
-          <p:spPr>
-            <a:xfrm>
-              <a:off x="1143000" y="3048000"/>
-              <a:ext cx="1524000" cy="369332"/>
-            </a:xfrm>
-            <a:prstGeom prst="rect">
-              <a:avLst/>
-            </a:prstGeom>
-            <a:noFill/>
-          </p:spPr>
-          <p:txBody>
-            <a:bodyPr wrap="square" rtlCol="0">
-              <a:spAutoFit/>
-            </a:bodyPr>
-            <a:lstStyle/>
-            <a:p>
-              <a:r>
-                <a:rPr lang="en-US" dirty="0" smtClean="0"/>
-                <a:t>Small ɛ, big L</a:t>
-              </a:r>
-              <a:endParaRPr lang="en-US" dirty="0"/>
-            </a:p>
-          </p:txBody>
-        </p:sp>
-        <p:cxnSp>
-          <p:nvCxnSpPr>
-            <p:cNvPr id="8" name="Straight Arrow Connector 7"/>
-            <p:cNvCxnSpPr>
-              <a:stCxn id="6" idx="0"/>
-            </p:cNvCxnSpPr>
-            <p:nvPr/>
-          </p:nvCxnSpPr>
-          <p:spPr>
-            <a:xfrm flipV="1">
-              <a:off x="1905000" y="2895600"/>
-              <a:ext cx="304800" cy="152400"/>
-            </a:xfrm>
-            <a:prstGeom prst="straightConnector1">
-              <a:avLst/>
-            </a:prstGeom>
-            <a:ln>
-              <a:tailEnd type="triangle"/>
-            </a:ln>
-          </p:spPr>
-          <p:style>
-            <a:lnRef idx="2">
-              <a:schemeClr val="accent1"/>
-            </a:lnRef>
-            <a:fillRef idx="0">
-              <a:schemeClr val="accent1"/>
-            </a:fillRef>
-            <a:effectRef idx="1">
-              <a:schemeClr val="accent1"/>
-            </a:effectRef>
-            <a:fontRef idx="minor">
-              <a:schemeClr val="tx1"/>
-            </a:fontRef>
-          </p:style>
-        </p:cxnSp>
-      </p:grpSp>
-      <p:grpSp>
-        <p:nvGrpSpPr>
-          <p:cNvPr id="16" name="Group 15"/>
-          <p:cNvGrpSpPr/>
-          <p:nvPr/>
-        </p:nvGrpSpPr>
-        <p:grpSpPr>
-          <a:xfrm>
-            <a:off x="6477000" y="1417638"/>
-            <a:ext cx="1524000" cy="521732"/>
-            <a:chOff x="2209800" y="1417638"/>
-            <a:chExt cx="1524000" cy="521732"/>
-          </a:xfrm>
-        </p:grpSpPr>
-        <p:sp>
-          <p:nvSpPr>
-            <p:cNvPr id="11" name="TextBox 10"/>
-            <p:cNvSpPr txBox="1"/>
-            <p:nvPr/>
-          </p:nvSpPr>
-          <p:spPr>
-            <a:xfrm>
-              <a:off x="2209800" y="1417638"/>
-              <a:ext cx="1524000" cy="369332"/>
-            </a:xfrm>
-            <a:prstGeom prst="rect">
-              <a:avLst/>
-            </a:prstGeom>
-            <a:noFill/>
-          </p:spPr>
-          <p:txBody>
-            <a:bodyPr wrap="square" rtlCol="0">
-              <a:spAutoFit/>
-            </a:bodyPr>
-            <a:lstStyle/>
-            <a:p>
-              <a:r>
-                <a:rPr lang="en-US" dirty="0" smtClean="0"/>
-                <a:t>Big ɛ, small L</a:t>
-              </a:r>
-              <a:endParaRPr lang="en-US" dirty="0"/>
-            </a:p>
-          </p:txBody>
-        </p:sp>
-        <p:cxnSp>
-          <p:nvCxnSpPr>
-            <p:cNvPr id="12" name="Straight Arrow Connector 11"/>
-            <p:cNvCxnSpPr>
-              <a:stCxn id="11" idx="2"/>
-            </p:cNvCxnSpPr>
-            <p:nvPr/>
-          </p:nvCxnSpPr>
-          <p:spPr>
-            <a:xfrm flipH="1">
-              <a:off x="2667000" y="1786970"/>
-              <a:ext cx="304800" cy="152400"/>
-            </a:xfrm>
-            <a:prstGeom prst="straightConnector1">
-              <a:avLst/>
-            </a:prstGeom>
-            <a:ln>
-              <a:tailEnd type="triangle"/>
-            </a:ln>
-          </p:spPr>
-          <p:style>
-            <a:lnRef idx="2">
-              <a:schemeClr val="accent1"/>
-            </a:lnRef>
-            <a:fillRef idx="0">
-              <a:schemeClr val="accent1"/>
-            </a:fillRef>
-            <a:effectRef idx="1">
-              <a:schemeClr val="accent1"/>
-            </a:effectRef>
-            <a:fontRef idx="minor">
-              <a:schemeClr val="tx1"/>
-            </a:fontRef>
-          </p:style>
-        </p:cxnSp>
-      </p:grpSp>
-      <p:grpSp>
-        <p:nvGrpSpPr>
-          <p:cNvPr id="19" name="Group 18"/>
-          <p:cNvGrpSpPr/>
-          <p:nvPr/>
-        </p:nvGrpSpPr>
-        <p:grpSpPr>
-          <a:xfrm>
-            <a:off x="1066800" y="1374389"/>
-            <a:ext cx="1524000" cy="683011"/>
-            <a:chOff x="2209800" y="1417638"/>
-            <a:chExt cx="1524000" cy="683011"/>
-          </a:xfrm>
-        </p:grpSpPr>
-        <p:sp>
-          <p:nvSpPr>
-            <p:cNvPr id="20" name="TextBox 19"/>
-            <p:cNvSpPr txBox="1"/>
-            <p:nvPr/>
-          </p:nvSpPr>
-          <p:spPr>
-            <a:xfrm>
-              <a:off x="2209800" y="1417638"/>
-              <a:ext cx="1524000" cy="369332"/>
-            </a:xfrm>
-            <a:prstGeom prst="rect">
-              <a:avLst/>
-            </a:prstGeom>
-            <a:noFill/>
-          </p:spPr>
-          <p:txBody>
-            <a:bodyPr wrap="square" rtlCol="0">
-              <a:spAutoFit/>
-            </a:bodyPr>
-            <a:lstStyle/>
-            <a:p>
-              <a:r>
-                <a:rPr lang="en-US" dirty="0" smtClean="0"/>
-                <a:t>Very stable!</a:t>
-              </a:r>
-              <a:endParaRPr lang="en-US" dirty="0"/>
-            </a:p>
-          </p:txBody>
-        </p:sp>
-        <p:cxnSp>
-          <p:nvCxnSpPr>
-            <p:cNvPr id="21" name="Straight Arrow Connector 20"/>
-            <p:cNvCxnSpPr>
-              <a:stCxn id="20" idx="2"/>
-            </p:cNvCxnSpPr>
-            <p:nvPr/>
-          </p:nvCxnSpPr>
-          <p:spPr>
-            <a:xfrm>
-              <a:off x="2971800" y="1786970"/>
-              <a:ext cx="228600" cy="313679"/>
-            </a:xfrm>
-            <a:prstGeom prst="straightConnector1">
-              <a:avLst/>
-            </a:prstGeom>
-            <a:ln>
-              <a:tailEnd type="triangle"/>
-            </a:ln>
-          </p:spPr>
-          <p:style>
-            <a:lnRef idx="2">
-              <a:schemeClr val="accent1"/>
-            </a:lnRef>
-            <a:fillRef idx="0">
-              <a:schemeClr val="accent1"/>
-            </a:fillRef>
-            <a:effectRef idx="1">
-              <a:schemeClr val="accent1"/>
-            </a:effectRef>
-            <a:fontRef idx="minor">
-              <a:schemeClr val="tx1"/>
-            </a:fontRef>
-          </p:style>
-        </p:cxnSp>
-      </p:grpSp>
-      <p:grpSp>
-        <p:nvGrpSpPr>
-          <p:cNvPr id="23" name="Group 22"/>
-          <p:cNvGrpSpPr/>
-          <p:nvPr/>
-        </p:nvGrpSpPr>
-        <p:grpSpPr>
-          <a:xfrm>
-            <a:off x="1447800" y="5029200"/>
-            <a:ext cx="1524000" cy="1027331"/>
-            <a:chOff x="2209800" y="1341438"/>
-            <a:chExt cx="1524000" cy="1027331"/>
-          </a:xfrm>
-        </p:grpSpPr>
-        <p:sp>
-          <p:nvSpPr>
-            <p:cNvPr id="24" name="TextBox 23"/>
-            <p:cNvSpPr txBox="1"/>
-            <p:nvPr/>
-          </p:nvSpPr>
-          <p:spPr>
-            <a:xfrm>
-              <a:off x="2209800" y="1722438"/>
-              <a:ext cx="1524000" cy="646331"/>
-            </a:xfrm>
-            <a:prstGeom prst="rect">
-              <a:avLst/>
-            </a:prstGeom>
-            <a:noFill/>
-          </p:spPr>
-          <p:txBody>
-            <a:bodyPr wrap="square" rtlCol="0">
-              <a:spAutoFit/>
-            </a:bodyPr>
-            <a:lstStyle/>
-            <a:p>
-              <a:r>
-                <a:rPr lang="en-US" dirty="0" smtClean="0"/>
-                <a:t>Errors don’t accumulate</a:t>
-              </a:r>
-              <a:endParaRPr lang="en-US" dirty="0"/>
-            </a:p>
-          </p:txBody>
-        </p:sp>
-        <p:cxnSp>
-          <p:nvCxnSpPr>
-            <p:cNvPr id="25" name="Straight Arrow Connector 24"/>
-            <p:cNvCxnSpPr>
-              <a:stCxn id="24" idx="0"/>
-            </p:cNvCxnSpPr>
-            <p:nvPr/>
-          </p:nvCxnSpPr>
-          <p:spPr>
-            <a:xfrm flipV="1">
-              <a:off x="2971800" y="1341438"/>
-              <a:ext cx="0" cy="381000"/>
-            </a:xfrm>
-            <a:prstGeom prst="straightConnector1">
-              <a:avLst/>
-            </a:prstGeom>
-            <a:ln>
-              <a:tailEnd type="triangle"/>
-            </a:ln>
-          </p:spPr>
-          <p:style>
-            <a:lnRef idx="2">
-              <a:schemeClr val="accent1"/>
-            </a:lnRef>
-            <a:fillRef idx="0">
-              <a:schemeClr val="accent1"/>
-            </a:fillRef>
-            <a:effectRef idx="1">
-              <a:schemeClr val="accent1"/>
-            </a:effectRef>
-            <a:fontRef idx="minor">
-              <a:schemeClr val="tx1"/>
-            </a:fontRef>
-          </p:style>
-        </p:cxnSp>
-      </p:grpSp>
-      <p:grpSp>
-        <p:nvGrpSpPr>
-          <p:cNvPr id="29" name="Group 28"/>
-          <p:cNvGrpSpPr/>
-          <p:nvPr/>
-        </p:nvGrpSpPr>
-        <p:grpSpPr>
-          <a:xfrm>
-            <a:off x="5486400" y="4572000"/>
-            <a:ext cx="1524000" cy="1051917"/>
-            <a:chOff x="2209800" y="1316852"/>
-            <a:chExt cx="1524000" cy="1051917"/>
-          </a:xfrm>
-        </p:grpSpPr>
-        <p:sp>
-          <p:nvSpPr>
-            <p:cNvPr id="30" name="TextBox 29"/>
-            <p:cNvSpPr txBox="1"/>
-            <p:nvPr/>
-          </p:nvSpPr>
-          <p:spPr>
-            <a:xfrm>
-              <a:off x="2209800" y="1722438"/>
-              <a:ext cx="1524000" cy="646331"/>
-            </a:xfrm>
-            <a:prstGeom prst="rect">
-              <a:avLst/>
-            </a:prstGeom>
-            <a:noFill/>
-          </p:spPr>
-          <p:txBody>
-            <a:bodyPr wrap="square" rtlCol="0">
-              <a:spAutoFit/>
-            </a:bodyPr>
-            <a:lstStyle/>
-            <a:p>
-              <a:r>
-                <a:rPr lang="en-US" dirty="0" smtClean="0"/>
-                <a:t>Big ɛ leads to variation in H </a:t>
-              </a:r>
-              <a:endParaRPr lang="en-US" dirty="0"/>
-            </a:p>
-          </p:txBody>
-        </p:sp>
-        <p:cxnSp>
-          <p:nvCxnSpPr>
-            <p:cNvPr id="31" name="Straight Arrow Connector 30"/>
-            <p:cNvCxnSpPr>
-              <a:stCxn id="30" idx="0"/>
-            </p:cNvCxnSpPr>
-            <p:nvPr/>
-          </p:nvCxnSpPr>
-          <p:spPr>
-            <a:xfrm flipH="1" flipV="1">
-              <a:off x="2362200" y="1316852"/>
-              <a:ext cx="609600" cy="405586"/>
-            </a:xfrm>
-            <a:prstGeom prst="straightConnector1">
-              <a:avLst/>
-            </a:prstGeom>
-            <a:ln>
-              <a:tailEnd type="triangle"/>
-            </a:ln>
-          </p:spPr>
-          <p:style>
-            <a:lnRef idx="2">
-              <a:schemeClr val="accent1"/>
-            </a:lnRef>
-            <a:fillRef idx="0">
-              <a:schemeClr val="accent1"/>
-            </a:fillRef>
-            <a:effectRef idx="1">
-              <a:schemeClr val="accent1"/>
-            </a:effectRef>
-            <a:fontRef idx="minor">
-              <a:schemeClr val="tx1"/>
-            </a:fontRef>
-          </p:style>
-        </p:cxnSp>
-      </p:grpSp>
+              <a:t>Q: Why do we need to utilize a Hamiltonian system?</a:t>
+            </a:r>
+          </a:p>
+          <a:p>
+            <a:r>
+              <a:rPr lang="en-US" dirty="0" smtClean="0"/>
+              <a:t>A: Detailed balance! </a:t>
+            </a:r>
+          </a:p>
+          <a:p>
+            <a:r>
+              <a:rPr lang="en-US" dirty="0" smtClean="0"/>
+              <a:t>HMC has several mathematical properties advantageous for MCMC:</a:t>
+            </a:r>
+          </a:p>
+          <a:p>
+            <a:pPr lvl="1"/>
+            <a:r>
+              <a:rPr lang="en-US" dirty="0" smtClean="0"/>
+              <a:t>Reversible + Volume preserving. </a:t>
+            </a:r>
+          </a:p>
+          <a:p>
+            <a:pPr lvl="1"/>
+            <a:r>
+              <a:rPr lang="en-US" dirty="0" smtClean="0"/>
+              <a:t>Informally: the q cancels out. Impossible to calculate otherwise.</a:t>
+            </a:r>
+          </a:p>
+          <a:p>
+            <a:r>
+              <a:rPr lang="en-US" dirty="0" smtClean="0"/>
+              <a:t>Crucially, these hold under discretization</a:t>
+            </a:r>
+          </a:p>
+          <a:p>
+            <a:r>
+              <a:rPr lang="en-US" dirty="0" smtClean="0"/>
+              <a:t>Bottom line: </a:t>
+            </a:r>
+            <a:br>
+              <a:rPr lang="en-US" dirty="0" smtClean="0"/>
+            </a:br>
+            <a:r>
+              <a:rPr lang="en-US" sz="1300" dirty="0" smtClean="0"/>
+              <a:t> </a:t>
+            </a:r>
+            <a:r>
+              <a:rPr lang="en-US" dirty="0" smtClean="0"/>
+              <a:t/>
+            </a:r>
+            <a:br>
+              <a:rPr lang="en-US" dirty="0" smtClean="0"/>
+            </a:br>
+            <a:r>
+              <a:rPr lang="en-US" b="1" dirty="0" smtClean="0"/>
+              <a:t>The chain gives us samples from the posterior</a:t>
+            </a:r>
+          </a:p>
+          <a:p>
+            <a:pPr lvl="1"/>
+            <a:endParaRPr lang="en-US" dirty="0" smtClean="0"/>
+          </a:p>
+        </p:txBody>
+      </p:sp>
     </p:spTree>
     <p:extLst>
       <p:ext uri="{BB962C8B-B14F-4D97-AF65-F5344CB8AC3E}">
-        <p14:creationId xmlns:p14="http://schemas.microsoft.com/office/powerpoint/2010/main" val="3306543983"/>
+        <p14:creationId xmlns:p14="http://schemas.microsoft.com/office/powerpoint/2010/main" val="3073264346"/>
       </p:ext>
     </p:extLst>
   </p:cSld>
@@ -9884,156 +11044,7 @@
   <p:timing>
     <p:tnLst>
       <p:par>
-        <p:cTn id="1" dur="indefinite" restart="never" nodeType="tmRoot">
-          <p:childTnLst>
-            <p:seq concurrent="1" nextAc="seek">
-              <p:cTn id="2" dur="indefinite" nodeType="mainSeq">
-                <p:childTnLst>
-                  <p:par>
-                    <p:cTn id="3" fill="hold">
-                      <p:stCondLst>
-                        <p:cond delay="indefinite"/>
-                      </p:stCondLst>
-                      <p:childTnLst>
-                        <p:par>
-                          <p:cTn id="4" fill="hold">
-                            <p:stCondLst>
-                              <p:cond delay="0"/>
-                            </p:stCondLst>
-                            <p:childTnLst>
-                              <p:par>
-                                <p:cTn id="5" presetID="1" presetClass="entr" presetSubtype="0" fill="hold" nodeType="clickEffect">
-                                  <p:stCondLst>
-                                    <p:cond delay="0"/>
-                                  </p:stCondLst>
-                                  <p:childTnLst>
-                                    <p:set>
-                                      <p:cBhvr>
-                                        <p:cTn id="6" dur="1" fill="hold">
-                                          <p:stCondLst>
-                                            <p:cond delay="0"/>
-                                          </p:stCondLst>
-                                        </p:cTn>
-                                        <p:tgtEl>
-                                          <p:spTgt spid="4"/>
-                                        </p:tgtEl>
-                                        <p:attrNameLst>
-                                          <p:attrName>style.visibility</p:attrName>
-                                        </p:attrNameLst>
-                                      </p:cBhvr>
-                                      <p:to>
-                                        <p:strVal val="visible"/>
-                                      </p:to>
-                                    </p:set>
-                                  </p:childTnLst>
-                                </p:cTn>
-                              </p:par>
-                              <p:par>
-                                <p:cTn id="7" presetID="1" presetClass="entr" presetSubtype="0" fill="hold" nodeType="withEffect">
-                                  <p:stCondLst>
-                                    <p:cond delay="0"/>
-                                  </p:stCondLst>
-                                  <p:childTnLst>
-                                    <p:set>
-                                      <p:cBhvr>
-                                        <p:cTn id="8" dur="1" fill="hold">
-                                          <p:stCondLst>
-                                            <p:cond delay="0"/>
-                                          </p:stCondLst>
-                                        </p:cTn>
-                                        <p:tgtEl>
-                                          <p:spTgt spid="17"/>
-                                        </p:tgtEl>
-                                        <p:attrNameLst>
-                                          <p:attrName>style.visibility</p:attrName>
-                                        </p:attrNameLst>
-                                      </p:cBhvr>
-                                      <p:to>
-                                        <p:strVal val="visible"/>
-                                      </p:to>
-                                    </p:set>
-                                  </p:childTnLst>
-                                </p:cTn>
-                              </p:par>
-                              <p:par>
-                                <p:cTn id="9" presetID="1" presetClass="entr" presetSubtype="0" fill="hold" nodeType="withEffect">
-                                  <p:stCondLst>
-                                    <p:cond delay="0"/>
-                                  </p:stCondLst>
-                                  <p:childTnLst>
-                                    <p:set>
-                                      <p:cBhvr>
-                                        <p:cTn id="10" dur="1" fill="hold">
-                                          <p:stCondLst>
-                                            <p:cond delay="0"/>
-                                          </p:stCondLst>
-                                        </p:cTn>
-                                        <p:tgtEl>
-                                          <p:spTgt spid="16"/>
-                                        </p:tgtEl>
-                                        <p:attrNameLst>
-                                          <p:attrName>style.visibility</p:attrName>
-                                        </p:attrNameLst>
-                                      </p:cBhvr>
-                                      <p:to>
-                                        <p:strVal val="visible"/>
-                                      </p:to>
-                                    </p:set>
-                                  </p:childTnLst>
-                                </p:cTn>
-                              </p:par>
-                              <p:par>
-                                <p:cTn id="11" presetID="1" presetClass="entr" presetSubtype="0" fill="hold" nodeType="withEffect">
-                                  <p:stCondLst>
-                                    <p:cond delay="0"/>
-                                  </p:stCondLst>
-                                  <p:childTnLst>
-                                    <p:set>
-                                      <p:cBhvr>
-                                        <p:cTn id="12" dur="1" fill="hold">
-                                          <p:stCondLst>
-                                            <p:cond delay="0"/>
-                                          </p:stCondLst>
-                                        </p:cTn>
-                                        <p:tgtEl>
-                                          <p:spTgt spid="29"/>
-                                        </p:tgtEl>
-                                        <p:attrNameLst>
-                                          <p:attrName>style.visibility</p:attrName>
-                                        </p:attrNameLst>
-                                      </p:cBhvr>
-                                      <p:to>
-                                        <p:strVal val="visible"/>
-                                      </p:to>
-                                    </p:set>
-                                  </p:childTnLst>
-                                </p:cTn>
-                              </p:par>
-                            </p:childTnLst>
-                          </p:cTn>
-                        </p:par>
-                      </p:childTnLst>
-                    </p:cTn>
-                  </p:par>
-                </p:childTnLst>
-              </p:cTn>
-              <p:prevCondLst>
-                <p:cond evt="onPrev" delay="0">
-                  <p:tgtEl>
-                    <p:sldTgt/>
-                  </p:tgtEl>
-                </p:cond>
-              </p:prevCondLst>
-              <p:nextCondLst>
-                <p:cond evt="onNext" delay="0">
-                  <p:tgtEl>
-                    <p:sldTgt/>
-                  </p:tgtEl>
-                </p:cond>
-              </p:nextCondLst>
-            </p:seq>
-          </p:childTnLst>
-        </p:cTn>
+        <p:cTn id="1" dur="indefinite" restart="never" nodeType="tmRoot"/>
       </p:par>
     </p:tnLst>
   </p:timing>
